--- a/doc/Koala消息推送服务系统设计.pptx
+++ b/doc/Koala消息推送服务系统设计.pptx
@@ -6,7 +6,9 @@
   </p:sldMasterIdLst>
   <p:sldIdLst>
     <p:sldId id="257" r:id="rId2"/>
-    <p:sldId id="258" r:id="rId3"/>
+    <p:sldId id="259" r:id="rId3"/>
+    <p:sldId id="258" r:id="rId4"/>
+    <p:sldId id="260" r:id="rId5"/>
   </p:sldIdLst>
   <p:sldSz cx="12192000" cy="6858000"/>
   <p:notesSz cx="6858000" cy="9144000"/>
@@ -241,7 +243,7 @@
           <a:lstStyle/>
           <a:p>
             <a:fld id="{CFEAA5F2-43C6-7B45-88BD-B5E414C521CB}" type="datetimeFigureOut">
-              <a:t>8/26/17</a:t>
+              <a:t>9/6/17</a:t>
             </a:fld>
             <a:endParaRPr lang="en-US"/>
           </a:p>
@@ -409,7 +411,7 @@
           <a:lstStyle/>
           <a:p>
             <a:fld id="{CFEAA5F2-43C6-7B45-88BD-B5E414C521CB}" type="datetimeFigureOut">
-              <a:t>8/26/17</a:t>
+              <a:t>9/6/17</a:t>
             </a:fld>
             <a:endParaRPr lang="en-US"/>
           </a:p>
@@ -587,7 +589,7 @@
           <a:lstStyle/>
           <a:p>
             <a:fld id="{CFEAA5F2-43C6-7B45-88BD-B5E414C521CB}" type="datetimeFigureOut">
-              <a:t>8/26/17</a:t>
+              <a:t>9/6/17</a:t>
             </a:fld>
             <a:endParaRPr lang="en-US"/>
           </a:p>
@@ -755,7 +757,7 @@
           <a:lstStyle/>
           <a:p>
             <a:fld id="{CFEAA5F2-43C6-7B45-88BD-B5E414C521CB}" type="datetimeFigureOut">
-              <a:t>8/26/17</a:t>
+              <a:t>9/6/17</a:t>
             </a:fld>
             <a:endParaRPr lang="en-US"/>
           </a:p>
@@ -999,7 +1001,7 @@
           <a:lstStyle/>
           <a:p>
             <a:fld id="{CFEAA5F2-43C6-7B45-88BD-B5E414C521CB}" type="datetimeFigureOut">
-              <a:t>8/26/17</a:t>
+              <a:t>9/6/17</a:t>
             </a:fld>
             <a:endParaRPr lang="en-US"/>
           </a:p>
@@ -1229,7 +1231,7 @@
           <a:lstStyle/>
           <a:p>
             <a:fld id="{CFEAA5F2-43C6-7B45-88BD-B5E414C521CB}" type="datetimeFigureOut">
-              <a:t>8/26/17</a:t>
+              <a:t>9/6/17</a:t>
             </a:fld>
             <a:endParaRPr lang="en-US"/>
           </a:p>
@@ -1594,7 +1596,7 @@
           <a:lstStyle/>
           <a:p>
             <a:fld id="{CFEAA5F2-43C6-7B45-88BD-B5E414C521CB}" type="datetimeFigureOut">
-              <a:t>8/26/17</a:t>
+              <a:t>9/6/17</a:t>
             </a:fld>
             <a:endParaRPr lang="en-US"/>
           </a:p>
@@ -1710,7 +1712,7 @@
           <a:lstStyle/>
           <a:p>
             <a:fld id="{CFEAA5F2-43C6-7B45-88BD-B5E414C521CB}" type="datetimeFigureOut">
-              <a:t>8/26/17</a:t>
+              <a:t>9/6/17</a:t>
             </a:fld>
             <a:endParaRPr lang="en-US"/>
           </a:p>
@@ -1803,7 +1805,7 @@
           <a:lstStyle/>
           <a:p>
             <a:fld id="{CFEAA5F2-43C6-7B45-88BD-B5E414C521CB}" type="datetimeFigureOut">
-              <a:t>8/26/17</a:t>
+              <a:t>9/6/17</a:t>
             </a:fld>
             <a:endParaRPr lang="en-US"/>
           </a:p>
@@ -2078,7 +2080,7 @@
           <a:lstStyle/>
           <a:p>
             <a:fld id="{CFEAA5F2-43C6-7B45-88BD-B5E414C521CB}" type="datetimeFigureOut">
-              <a:t>8/26/17</a:t>
+              <a:t>9/6/17</a:t>
             </a:fld>
             <a:endParaRPr lang="en-US"/>
           </a:p>
@@ -2329,7 +2331,7 @@
           <a:lstStyle/>
           <a:p>
             <a:fld id="{CFEAA5F2-43C6-7B45-88BD-B5E414C521CB}" type="datetimeFigureOut">
-              <a:t>8/26/17</a:t>
+              <a:t>9/6/17</a:t>
             </a:fld>
             <a:endParaRPr lang="en-US"/>
           </a:p>
@@ -2538,7 +2540,7 @@
           </a:lstStyle>
           <a:p>
             <a:fld id="{CFEAA5F2-43C6-7B45-88BD-B5E414C521CB}" type="datetimeFigureOut">
-              <a:t>8/26/17</a:t>
+              <a:t>9/6/17</a:t>
             </a:fld>
             <a:endParaRPr lang="en-US"/>
           </a:p>
@@ -2950,8 +2952,8 @@
         </p:nvSpPr>
         <p:spPr>
           <a:xfrm>
-            <a:off x="1508222" y="667244"/>
-            <a:ext cx="3775466" cy="369332"/>
+            <a:off x="671829" y="243109"/>
+            <a:ext cx="5377608" cy="584775"/>
           </a:xfrm>
           <a:prstGeom prst="rect">
             <a:avLst/>
@@ -2965,15 +2967,336 @@
           <a:lstStyle/>
           <a:p>
             <a:r>
+              <a:rPr lang="en-US" altLang="zh-CN" sz="3200" b="1" u="sng"/>
+              <a:t>Koala</a:t>
+            </a:r>
+            <a:r>
+              <a:rPr lang="zh-CN" altLang="en-US" sz="3200" b="1" u="sng"/>
+              <a:t> </a:t>
+            </a:r>
+            <a:r>
+              <a:rPr lang="en-US" altLang="zh-CN" sz="3200" b="1" u="sng"/>
+              <a:t>Messaging </a:t>
+            </a:r>
+            <a:r>
+              <a:rPr lang="zh-CN" altLang="en-US" sz="3200" b="1" u="sng"/>
+              <a:t>消息推送</a:t>
+            </a:r>
+          </a:p>
+        </p:txBody>
+      </p:sp>
+      <p:sp>
+        <p:nvSpPr>
+          <p:cNvPr id="23" name="TextBox 22"/>
+          <p:cNvSpPr txBox="1"/>
+          <p:nvPr/>
+        </p:nvSpPr>
+        <p:spPr>
+          <a:xfrm>
+            <a:off x="1215341" y="827884"/>
+            <a:ext cx="9144000" cy="5632311"/>
+          </a:xfrm>
+          <a:prstGeom prst="rect">
+            <a:avLst/>
+          </a:prstGeom>
+          <a:noFill/>
+          <a:ln>
+            <a:noFill/>
+          </a:ln>
+        </p:spPr>
+        <p:txBody>
+          <a:bodyPr wrap="square" rtlCol="0">
+            <a:spAutoFit/>
+          </a:bodyPr>
+          <a:lstStyle/>
+          <a:p>
+            <a:endParaRPr lang="zh-CN" altLang="en-US" b="1">
+              <a:latin typeface="Helvetica" charset="0"/>
+              <a:ea typeface="Helvetica" charset="0"/>
+              <a:cs typeface="Helvetica" charset="0"/>
+            </a:endParaRPr>
+          </a:p>
+          <a:p>
+            <a:r>
+              <a:rPr lang="zh-CN" altLang="en-US" b="1">
+                <a:latin typeface="Helvetica" charset="0"/>
+                <a:ea typeface="Helvetica" charset="0"/>
+                <a:cs typeface="Helvetica" charset="0"/>
+              </a:rPr>
+              <a:t>消息推送是针对 互联网</a:t>
+            </a:r>
+            <a:r>
+              <a:rPr lang="en-US" altLang="zh-CN" b="1">
+                <a:latin typeface="Helvetica" charset="0"/>
+                <a:ea typeface="Helvetica" charset="0"/>
+                <a:cs typeface="Helvetica" charset="0"/>
+              </a:rPr>
+              <a:t> </a:t>
+            </a:r>
+            <a:r>
+              <a:rPr lang="zh-CN" altLang="en-US" b="1">
+                <a:latin typeface="Helvetica" charset="0"/>
+                <a:ea typeface="Helvetica" charset="0"/>
+                <a:cs typeface="Helvetica" charset="0"/>
+              </a:rPr>
+              <a:t>应用开发领域的技术，指服务端以主动方式将信息送达客户端。主要用于提升用户体验，避免用户频繁刷新从服务端拉取数据。例如 ： 即时通讯自动提示新到消息应用场景。</a:t>
+            </a:r>
+          </a:p>
+          <a:p>
+            <a:endParaRPr lang="en-US" altLang="zh-CN" b="1"/>
+          </a:p>
+          <a:p>
+            <a:r>
               <a:rPr lang="zh-CN" altLang="en-US" b="1"/>
+              <a:t>基本概念</a:t>
+            </a:r>
+            <a:r>
+              <a:rPr lang="en-US" altLang="zh-CN" b="1"/>
+              <a:t>:  NAT , HTTP , TCP , WebSocket</a:t>
+            </a:r>
+          </a:p>
+          <a:p>
+            <a:r>
+              <a:rPr lang="zh-CN" altLang="en-US" b="1"/>
+              <a:t/>
+            </a:r>
+            <a:br>
+              <a:rPr lang="zh-CN" altLang="en-US" b="1"/>
+            </a:br>
+            <a:r>
+              <a:rPr lang="zh-CN" altLang="en-US" b="1">
+                <a:latin typeface="Helvetica" charset="0"/>
+                <a:ea typeface="Helvetica" charset="0"/>
+                <a:cs typeface="Helvetica" charset="0"/>
+              </a:rPr>
+              <a:t>消息推送作为移动互联网系统的基础服务功能，应开发独立的消息推送的服务支撑不同的业务系统，避免重复造轮子的过程。</a:t>
+            </a:r>
+          </a:p>
+          <a:p>
+            <a:endParaRPr lang="zh-CN" altLang="en-US" b="1">
+              <a:latin typeface="Helvetica" charset="0"/>
+              <a:ea typeface="Helvetica" charset="0"/>
+              <a:cs typeface="Helvetica" charset="0"/>
+            </a:endParaRPr>
+          </a:p>
+          <a:p>
+            <a:r>
+              <a:rPr lang="zh-CN" altLang="en-US" b="1">
+                <a:latin typeface="Helvetica" charset="0"/>
+                <a:ea typeface="Helvetica" charset="0"/>
+                <a:cs typeface="Helvetica" charset="0"/>
+              </a:rPr>
+              <a:t>推送形式： 边界推送、系统后台到用户推送、用户之间推送。（实时推送、离线推送、上线通知 ）</a:t>
+            </a:r>
+          </a:p>
+          <a:p>
+            <a:endParaRPr lang="zh-CN" altLang="en-US" b="1">
+              <a:latin typeface="Helvetica" charset="0"/>
+              <a:ea typeface="Helvetica" charset="0"/>
+              <a:cs typeface="Helvetica" charset="0"/>
+            </a:endParaRPr>
+          </a:p>
+          <a:p>
+            <a:r>
+              <a:rPr lang="zh-CN" altLang="en-US" b="1">
+                <a:latin typeface="Helvetica" charset="0"/>
+                <a:ea typeface="Helvetica" charset="0"/>
+                <a:cs typeface="Helvetica" charset="0"/>
+              </a:rPr>
+              <a:t>系统基本要求：</a:t>
+            </a:r>
+          </a:p>
+          <a:p>
+            <a:pPr marL="285750" indent="-285750">
+              <a:buFont typeface="Wingdings" charset="2"/>
+              <a:buChar char="§"/>
+            </a:pPr>
+            <a:r>
+              <a:rPr lang="zh-CN" altLang="en-US" b="1">
+                <a:latin typeface="Helvetica" charset="0"/>
+                <a:ea typeface="Helvetica" charset="0"/>
+                <a:cs typeface="Helvetica" charset="0"/>
+              </a:rPr>
+              <a:t>便于业务集成</a:t>
+            </a:r>
+          </a:p>
+          <a:p>
+            <a:pPr marL="285750" indent="-285750">
+              <a:buFont typeface="Wingdings" charset="2"/>
+              <a:buChar char="§"/>
+            </a:pPr>
+            <a:r>
+              <a:rPr lang="zh-CN" altLang="en-US" b="1">
+                <a:latin typeface="Helvetica" charset="0"/>
+                <a:ea typeface="Helvetica" charset="0"/>
+                <a:cs typeface="Helvetica" charset="0"/>
+              </a:rPr>
+              <a:t>一致的访问接口</a:t>
+            </a:r>
+          </a:p>
+          <a:p>
+            <a:pPr marL="285750" indent="-285750">
+              <a:buFont typeface="Wingdings" charset="2"/>
+              <a:buChar char="§"/>
+            </a:pPr>
+            <a:r>
+              <a:rPr lang="zh-CN" altLang="en-US" b="1">
+                <a:latin typeface="Helvetica" charset="0"/>
+                <a:ea typeface="Helvetica" charset="0"/>
+                <a:cs typeface="Helvetica" charset="0"/>
+              </a:rPr>
+              <a:t>安全要求 </a:t>
+            </a:r>
+          </a:p>
+          <a:p>
+            <a:pPr marL="285750" indent="-285750">
+              <a:buFont typeface="Wingdings" charset="2"/>
+              <a:buChar char="§"/>
+            </a:pPr>
+            <a:r>
+              <a:rPr lang="zh-CN" altLang="en-US" b="1">
+                <a:latin typeface="Helvetica" charset="0"/>
+                <a:ea typeface="Helvetica" charset="0"/>
+                <a:cs typeface="Helvetica" charset="0"/>
+              </a:rPr>
+              <a:t>多环境支持 </a:t>
+            </a:r>
+            <a:r>
+              <a:rPr lang="en-US" altLang="zh-CN" b="1">
+                <a:latin typeface="Helvetica" charset="0"/>
+                <a:ea typeface="Helvetica" charset="0"/>
+                <a:cs typeface="Helvetica" charset="0"/>
+              </a:rPr>
+              <a:t>iOS,Android,</a:t>
+            </a:r>
+            <a:r>
+              <a:rPr lang="zh-CN" altLang="en-US" b="1">
+                <a:latin typeface="Helvetica" charset="0"/>
+                <a:ea typeface="Helvetica" charset="0"/>
+                <a:cs typeface="Helvetica" charset="0"/>
+              </a:rPr>
+              <a:t>服务端</a:t>
+            </a:r>
+            <a:r>
+              <a:rPr lang="en-US" altLang="zh-CN" b="1">
+                <a:latin typeface="Helvetica" charset="0"/>
+                <a:ea typeface="Helvetica" charset="0"/>
+                <a:cs typeface="Helvetica" charset="0"/>
+              </a:rPr>
+              <a:t>sdk, Html5</a:t>
+            </a:r>
+            <a:endParaRPr lang="zh-CN" altLang="en-US" b="1">
+              <a:latin typeface="Helvetica" charset="0"/>
+              <a:ea typeface="Helvetica" charset="0"/>
+              <a:cs typeface="Helvetica" charset="0"/>
+            </a:endParaRPr>
+          </a:p>
+          <a:p>
+            <a:pPr marL="285750" indent="-285750">
+              <a:buFont typeface="Wingdings" charset="2"/>
+              <a:buChar char="§"/>
+            </a:pPr>
+            <a:r>
+              <a:rPr lang="zh-CN" altLang="en-US" b="1">
+                <a:latin typeface="Helvetica" charset="0"/>
+                <a:ea typeface="Helvetica" charset="0"/>
+                <a:cs typeface="Helvetica" charset="0"/>
+              </a:rPr>
+              <a:t>消息存储和管理方式</a:t>
+            </a:r>
+          </a:p>
+          <a:p>
+            <a:pPr marL="285750" indent="-285750">
+              <a:buFont typeface="Wingdings" charset="2"/>
+              <a:buChar char="§"/>
+            </a:pPr>
+            <a:r>
+              <a:rPr lang="zh-CN" altLang="en-US" b="1">
+                <a:latin typeface="Helvetica" charset="0"/>
+                <a:ea typeface="Helvetica" charset="0"/>
+                <a:cs typeface="Helvetica" charset="0"/>
+              </a:rPr>
+              <a:t>扩展能力</a:t>
+            </a:r>
+          </a:p>
+        </p:txBody>
+      </p:sp>
+    </p:spTree>
+    <p:extLst>
+      <p:ext uri="{BB962C8B-B14F-4D97-AF65-F5344CB8AC3E}">
+        <p14:creationId xmlns:p14="http://schemas.microsoft.com/office/powerpoint/2010/main" val="1264420410"/>
+      </p:ext>
+    </p:extLst>
+  </p:cSld>
+  <p:clrMapOvr>
+    <a:masterClrMapping/>
+  </p:clrMapOvr>
+  <p:timing>
+    <p:tnLst>
+      <p:par>
+        <p:cTn id="1" dur="indefinite" restart="never" nodeType="tmRoot"/>
+      </p:par>
+    </p:tnLst>
+  </p:timing>
+</p:sld>
+</file>
+
+<file path=ppt/slides/slide2.xml><?xml version="1.0" encoding="utf-8"?>
+<p:sld xmlns:a="http://schemas.openxmlformats.org/drawingml/2006/main" xmlns:r="http://schemas.openxmlformats.org/officeDocument/2006/relationships" xmlns:p="http://schemas.openxmlformats.org/presentationml/2006/main">
+  <p:cSld>
+    <p:spTree>
+      <p:nvGrpSpPr>
+        <p:cNvPr id="1" name=""/>
+        <p:cNvGrpSpPr/>
+        <p:nvPr/>
+      </p:nvGrpSpPr>
+      <p:grpSpPr>
+        <a:xfrm>
+          <a:off x="0" y="0"/>
+          <a:ext cx="0" cy="0"/>
+          <a:chOff x="0" y="0"/>
+          <a:chExt cx="0" cy="0"/>
+        </a:xfrm>
+      </p:grpSpPr>
+      <p:sp>
+        <p:nvSpPr>
+          <p:cNvPr id="4" name="TextBox 3"/>
+          <p:cNvSpPr txBox="1"/>
+          <p:nvPr/>
+        </p:nvSpPr>
+        <p:spPr>
+          <a:xfrm>
+            <a:off x="555798" y="251523"/>
+            <a:ext cx="6863574" cy="584775"/>
+          </a:xfrm>
+          <a:prstGeom prst="rect">
+            <a:avLst/>
+          </a:prstGeom>
+          <a:noFill/>
+        </p:spPr>
+        <p:txBody>
+          <a:bodyPr wrap="square" rtlCol="0">
+            <a:spAutoFit/>
+          </a:bodyPr>
+          <a:lstStyle>
+            <a:defPPr>
+              <a:defRPr lang="en-US"/>
+            </a:defPPr>
+            <a:lvl1pPr>
+              <a:defRPr sz="3200" b="1" u="sng"/>
+            </a:lvl1pPr>
+          </a:lstStyle>
+          <a:p>
+            <a:r>
+              <a:rPr lang="zh-CN" altLang="en-US"/>
               <a:t>消息推送服务系统 </a:t>
             </a:r>
             <a:r>
-              <a:rPr lang="en-US" altLang="zh-CN" b="1"/>
+              <a:rPr lang="en-US" altLang="zh-CN"/>
               <a:t>-</a:t>
             </a:r>
             <a:r>
-              <a:rPr lang="zh-CN" altLang="en-US" b="1"/>
+              <a:rPr lang="zh-CN" altLang="en-US"/>
               <a:t> 结构视图</a:t>
             </a:r>
           </a:p>
@@ -2987,7 +3310,7 @@
         </p:nvGrpSpPr>
         <p:grpSpPr>
           <a:xfrm>
-            <a:off x="1794500" y="1845781"/>
+            <a:off x="1337266" y="2088849"/>
             <a:ext cx="5670038" cy="2300363"/>
             <a:chOff x="3551738" y="2354664"/>
             <a:chExt cx="5670038" cy="2300363"/>
@@ -3800,8 +4123,8 @@
         </p:nvSpPr>
         <p:spPr>
           <a:xfrm>
-            <a:off x="1798318" y="4488836"/>
-            <a:ext cx="3910719" cy="1569660"/>
+            <a:off x="7599813" y="1930979"/>
+            <a:ext cx="5396117" cy="2616101"/>
           </a:xfrm>
           <a:prstGeom prst="rect">
             <a:avLst/>
@@ -3818,105 +4141,120 @@
           <a:lstStyle/>
           <a:p>
             <a:r>
-              <a:rPr lang="zh-CN" altLang="en-US" sz="1200" b="1" i="1" u="sng"/>
+              <a:rPr lang="zh-CN" altLang="en-US" sz="2000" b="1" i="1" u="sng"/>
               <a:t>系统特点：</a:t>
             </a:r>
           </a:p>
           <a:p>
-            <a:endParaRPr lang="zh-CN" altLang="en-US" sz="1050" b="1"/>
-          </a:p>
-          <a:p>
-            <a:r>
-              <a:rPr lang="en-US" altLang="zh-CN" sz="1050" b="1"/>
+            <a:endParaRPr lang="zh-CN" altLang="en-US" sz="1600" b="1"/>
+          </a:p>
+          <a:p>
+            <a:r>
+              <a:rPr lang="en-US" altLang="zh-CN" sz="1600" b="1"/>
               <a:t>1.</a:t>
             </a:r>
             <a:r>
-              <a:rPr lang="zh-CN" altLang="en-US" sz="1050" b="1"/>
+              <a:rPr lang="zh-CN" altLang="en-US" sz="1600" b="1"/>
               <a:t> </a:t>
             </a:r>
             <a:r>
-              <a:rPr lang="en-US" altLang="zh-CN" sz="1050" b="1"/>
-              <a:t>Tcp</a:t>
-            </a:r>
-            <a:r>
-              <a:rPr lang="zh-CN" altLang="en-US" sz="1050" b="1"/>
-              <a:t>长连接的消息反向推送</a:t>
-            </a:r>
-          </a:p>
-          <a:p>
-            <a:r>
-              <a:rPr lang="en-US" altLang="zh-CN" sz="1050" b="1"/>
+              <a:rPr lang="en-US" altLang="zh-CN" sz="1600" b="1"/>
+              <a:t>TCP</a:t>
+            </a:r>
+            <a:r>
+              <a:rPr lang="zh-CN" altLang="en-US" sz="1600" b="1"/>
+              <a:t>长连接实现消息反向推送</a:t>
+            </a:r>
+          </a:p>
+          <a:p>
+            <a:r>
+              <a:rPr lang="en-US" altLang="zh-CN" sz="1600" b="1"/>
               <a:t>2.</a:t>
             </a:r>
             <a:r>
-              <a:rPr lang="zh-CN" altLang="en-US" sz="1050" b="1"/>
-              <a:t> 二进制消息编码，</a:t>
-            </a:r>
-            <a:r>
-              <a:rPr lang="en-US" altLang="zh-CN" sz="1050" b="1"/>
-              <a:t>Rpc</a:t>
-            </a:r>
-            <a:r>
-              <a:rPr lang="zh-CN" altLang="en-US" sz="1050" b="1"/>
+              <a:rPr lang="zh-CN" altLang="en-US" sz="1600" b="1"/>
+              <a:t> 二进制编码，</a:t>
+            </a:r>
+            <a:r>
+              <a:rPr lang="en-US" altLang="zh-CN" sz="1600" b="1"/>
+              <a:t>RPC</a:t>
+            </a:r>
+            <a:r>
+              <a:rPr lang="zh-CN" altLang="en-US" sz="1600" b="1"/>
               <a:t>消息分派</a:t>
             </a:r>
           </a:p>
           <a:p>
             <a:r>
-              <a:rPr lang="en-US" altLang="zh-CN" sz="1050" b="1"/>
+              <a:rPr lang="en-US" altLang="zh-CN" sz="1600" b="1"/>
               <a:t>3.</a:t>
             </a:r>
             <a:r>
-              <a:rPr lang="zh-CN" altLang="en-US" sz="1050" b="1"/>
-              <a:t>多前端系统支持</a:t>
-            </a:r>
-            <a:r>
-              <a:rPr lang="en-US" altLang="zh-CN" sz="1050" b="1"/>
+              <a:rPr lang="zh-CN" altLang="en-US" sz="1600" b="1"/>
+              <a:t>多环境支持</a:t>
+            </a:r>
+            <a:r>
+              <a:rPr lang="en-US" altLang="zh-CN" sz="1600" b="1"/>
               <a:t>, H5,Android,iOS</a:t>
             </a:r>
           </a:p>
           <a:p>
             <a:r>
-              <a:rPr lang="en-US" altLang="zh-CN" sz="1050" b="1"/>
+              <a:rPr lang="en-US" altLang="zh-CN" sz="1600" b="1"/>
               <a:t>4.</a:t>
             </a:r>
             <a:r>
-              <a:rPr lang="zh-CN" altLang="en-US" sz="1050" b="1"/>
-              <a:t>多程序语言支持 </a:t>
-            </a:r>
-            <a:r>
-              <a:rPr lang="en-US" altLang="zh-CN" sz="1050" b="1"/>
-              <a:t>, JS,Java,ObjC ..</a:t>
-            </a:r>
-          </a:p>
-          <a:p>
-            <a:r>
-              <a:rPr lang="en-US" altLang="zh-CN" sz="1050" b="1"/>
+              <a:rPr lang="zh-CN" altLang="en-US" sz="1600"/>
+              <a:t> 模块化，不与应用耦合</a:t>
+            </a:r>
+            <a:endParaRPr lang="zh-CN" altLang="en-US" sz="1600" b="1"/>
+          </a:p>
+          <a:p>
+            <a:r>
+              <a:rPr lang="en-US" altLang="zh-CN" sz="1600" b="1"/>
               <a:t>5. </a:t>
             </a:r>
             <a:r>
-              <a:rPr lang="zh-CN" altLang="en-US" sz="1050" b="1"/>
-              <a:t>消息即时推送、定时推送、用户上线推送</a:t>
-            </a:r>
-          </a:p>
-          <a:p>
-            <a:r>
-              <a:rPr lang="en-US" altLang="zh-CN" sz="1050" b="1"/>
+              <a:rPr lang="zh-CN" altLang="en-US" sz="1600" b="1"/>
+              <a:t>支持即时推送、定时推送、用户上线推送</a:t>
+            </a:r>
+          </a:p>
+          <a:p>
+            <a:r>
+              <a:rPr lang="en-US" altLang="zh-CN" sz="1600" b="1"/>
               <a:t>6.</a:t>
             </a:r>
             <a:r>
-              <a:rPr lang="zh-CN" altLang="en-US" sz="1050" b="1"/>
+              <a:rPr lang="zh-CN" altLang="en-US" sz="1600" b="1"/>
               <a:t> 支持系统到用户、用户到用户的消息推送</a:t>
             </a:r>
           </a:p>
           <a:p>
             <a:r>
-              <a:rPr lang="en-US" altLang="zh-CN" sz="1050" b="1"/>
+              <a:rPr lang="en-US" altLang="zh-CN" sz="1600" b="1"/>
               <a:t>7.</a:t>
             </a:r>
             <a:r>
-              <a:rPr lang="zh-CN" altLang="en-US" sz="1050" b="1"/>
-              <a:t> 高并发多用户接入</a:t>
+              <a:rPr lang="zh-CN" altLang="en-US" sz="1600" b="1"/>
+              <a:t> </a:t>
+            </a:r>
+            <a:r>
+              <a:rPr lang="zh-CN" altLang="en-US" sz="1600"/>
+              <a:t>高性能、高可靠</a:t>
+            </a:r>
+            <a:r>
+              <a:rPr lang="zh-CN" altLang="en-US" sz="1600" b="1"/>
+              <a:t>、多用户接入</a:t>
+            </a:r>
+          </a:p>
+          <a:p>
+            <a:r>
+              <a:rPr lang="en-US" altLang="zh-CN" sz="1600" b="1"/>
+              <a:t>8.</a:t>
+            </a:r>
+            <a:r>
+              <a:rPr lang="zh-CN" altLang="en-US" sz="1600" b="1"/>
+              <a:t> 替代极光推送</a:t>
             </a:r>
           </a:p>
         </p:txBody>
@@ -3924,7 +4262,7 @@
     </p:spTree>
     <p:extLst>
       <p:ext uri="{BB962C8B-B14F-4D97-AF65-F5344CB8AC3E}">
-        <p14:creationId xmlns:p14="http://schemas.microsoft.com/office/powerpoint/2010/main" val="1264420410"/>
+        <p14:creationId xmlns:p14="http://schemas.microsoft.com/office/powerpoint/2010/main" val="2119364489"/>
       </p:ext>
     </p:extLst>
   </p:cSld>
@@ -3941,7 +4279,7 @@
 </p:sld>
 </file>
 
-<file path=ppt/slides/slide2.xml><?xml version="1.0" encoding="utf-8"?>
+<file path=ppt/slides/slide3.xml><?xml version="1.0" encoding="utf-8"?>
 <p:sld xmlns:a="http://schemas.openxmlformats.org/drawingml/2006/main" xmlns:r="http://schemas.openxmlformats.org/officeDocument/2006/relationships" xmlns:p="http://schemas.openxmlformats.org/presentationml/2006/main">
   <p:cSld>
     <p:spTree>
@@ -3966,8 +4304,8 @@
         </p:nvSpPr>
         <p:spPr>
           <a:xfrm>
-            <a:off x="1003948" y="495097"/>
-            <a:ext cx="3775466" cy="369332"/>
+            <a:off x="733786" y="390592"/>
+            <a:ext cx="6241804" cy="584775"/>
           </a:xfrm>
           <a:prstGeom prst="rect">
             <a:avLst/>
@@ -3978,246 +4316,40 @@
           <a:bodyPr wrap="square" rtlCol="0">
             <a:spAutoFit/>
           </a:bodyPr>
-          <a:lstStyle/>
-          <a:p>
-            <a:r>
-              <a:rPr lang="zh-CN" altLang="en-US" b="1" i="1" u="sng"/>
+          <a:lstStyle>
+            <a:defPPr>
+              <a:defRPr lang="en-US"/>
+            </a:defPPr>
+            <a:lvl1pPr>
+              <a:defRPr sz="3200" b="1" u="sng"/>
+            </a:lvl1pPr>
+          </a:lstStyle>
+          <a:p>
+            <a:r>
+              <a:rPr lang="zh-CN" altLang="en-US"/>
               <a:t>消息推送服务系统 </a:t>
             </a:r>
             <a:r>
-              <a:rPr lang="en-US" altLang="zh-CN" b="1" i="1" u="sng"/>
+              <a:rPr lang="en-US" altLang="zh-CN"/>
               <a:t>–</a:t>
             </a:r>
             <a:r>
-              <a:rPr lang="zh-CN" altLang="en-US" b="1" i="1" u="sng"/>
+              <a:rPr lang="zh-CN" altLang="en-US"/>
               <a:t> 应用视图</a:t>
             </a:r>
           </a:p>
         </p:txBody>
       </p:sp>
-      <p:cxnSp>
-        <p:nvCxnSpPr>
-          <p:cNvPr id="23" name="Straight Arrow Connector 22"/>
-          <p:cNvCxnSpPr/>
+      <p:sp>
+        <p:nvSpPr>
+          <p:cNvPr id="90" name="TextBox 89"/>
+          <p:cNvSpPr txBox="1"/>
           <p:nvPr/>
-        </p:nvCxnSpPr>
-        <p:spPr>
-          <a:xfrm flipV="1">
-            <a:off x="2169945" y="2443116"/>
-            <a:ext cx="0" cy="540701"/>
-          </a:xfrm>
-          <a:prstGeom prst="straightConnector1">
-            <a:avLst/>
-          </a:prstGeom>
-          <a:ln>
-            <a:tailEnd type="triangle"/>
-          </a:ln>
-        </p:spPr>
-        <p:style>
-          <a:lnRef idx="1">
-            <a:schemeClr val="accent1"/>
-          </a:lnRef>
-          <a:fillRef idx="0">
-            <a:schemeClr val="accent1"/>
-          </a:fillRef>
-          <a:effectRef idx="0">
-            <a:schemeClr val="accent1"/>
-          </a:effectRef>
-          <a:fontRef idx="minor">
-            <a:schemeClr val="tx1"/>
-          </a:fontRef>
-        </p:style>
-      </p:cxnSp>
-      <p:cxnSp>
-        <p:nvCxnSpPr>
-          <p:cNvPr id="47" name="Straight Arrow Connector 46"/>
-          <p:cNvCxnSpPr/>
-          <p:nvPr/>
-        </p:nvCxnSpPr>
+        </p:nvSpPr>
         <p:spPr>
           <a:xfrm>
-            <a:off x="2549378" y="3347047"/>
-            <a:ext cx="1718199" cy="6014"/>
-          </a:xfrm>
-          <a:prstGeom prst="straightConnector1">
-            <a:avLst/>
-          </a:prstGeom>
-          <a:ln>
-            <a:tailEnd type="triangle"/>
-          </a:ln>
-        </p:spPr>
-        <p:style>
-          <a:lnRef idx="1">
-            <a:schemeClr val="accent1"/>
-          </a:lnRef>
-          <a:fillRef idx="0">
-            <a:schemeClr val="accent1"/>
-          </a:fillRef>
-          <a:effectRef idx="0">
-            <a:schemeClr val="accent1"/>
-          </a:effectRef>
-          <a:fontRef idx="minor">
-            <a:schemeClr val="tx1"/>
-          </a:fontRef>
-        </p:style>
-      </p:cxnSp>
-      <p:pic>
-        <p:nvPicPr>
-          <p:cNvPr id="52" name="AliceRight.png"/>
-          <p:cNvPicPr/>
-          <p:nvPr/>
-        </p:nvPicPr>
-        <p:blipFill>
-          <a:blip r:embed="rId2">
-            <a:extLst/>
-          </a:blip>
-          <a:stretch>
-            <a:fillRect/>
-          </a:stretch>
-        </p:blipFill>
-        <p:spPr>
-          <a:xfrm>
-            <a:off x="2022047" y="3155980"/>
-            <a:ext cx="323057" cy="425613"/>
-          </a:xfrm>
-          <a:prstGeom prst="rect">
-            <a:avLst/>
-          </a:prstGeom>
-          <a:ln w="12700">
-            <a:miter lim="400000"/>
-          </a:ln>
-        </p:spPr>
-      </p:pic>
-      <p:pic>
-        <p:nvPicPr>
-          <p:cNvPr id="53" name="image.png"/>
-          <p:cNvPicPr/>
-          <p:nvPr/>
-        </p:nvPicPr>
-        <p:blipFill>
-          <a:blip r:embed="rId3">
-            <a:extLst/>
-          </a:blip>
-          <a:stretch>
-            <a:fillRect/>
-          </a:stretch>
-        </p:blipFill>
-        <p:spPr>
-          <a:xfrm>
-            <a:off x="2099248" y="1720014"/>
-            <a:ext cx="386298" cy="564576"/>
-          </a:xfrm>
-          <a:prstGeom prst="rect">
-            <a:avLst/>
-          </a:prstGeom>
-          <a:ln w="12700">
-            <a:miter lim="400000"/>
-          </a:ln>
-        </p:spPr>
-      </p:pic>
-      <p:sp>
-        <p:nvSpPr>
-          <p:cNvPr id="55" name="TextBox 54"/>
-          <p:cNvSpPr txBox="1"/>
-          <p:nvPr/>
-        </p:nvSpPr>
-        <p:spPr>
-          <a:xfrm>
-            <a:off x="1273381" y="1976215"/>
-            <a:ext cx="825867" cy="246221"/>
-          </a:xfrm>
-          <a:prstGeom prst="rect">
-            <a:avLst/>
-          </a:prstGeom>
-          <a:noFill/>
-        </p:spPr>
-        <p:txBody>
-          <a:bodyPr wrap="none" rtlCol="0">
-            <a:spAutoFit/>
-          </a:bodyPr>
-          <a:lstStyle/>
-          <a:p>
-            <a:r>
-              <a:rPr lang="zh-CN" altLang="en-US" sz="1000" b="1"/>
-              <a:t>应用服务器</a:t>
-            </a:r>
-            <a:endParaRPr lang="en-US" sz="1000" b="1"/>
-          </a:p>
-        </p:txBody>
-      </p:sp>
-      <p:sp>
-        <p:nvSpPr>
-          <p:cNvPr id="59" name="TextBox 58"/>
-          <p:cNvSpPr txBox="1"/>
-          <p:nvPr/>
-        </p:nvSpPr>
-        <p:spPr>
-          <a:xfrm>
-            <a:off x="1312700" y="3630645"/>
-            <a:ext cx="1433406" cy="246221"/>
-          </a:xfrm>
-          <a:prstGeom prst="rect">
-            <a:avLst/>
-          </a:prstGeom>
-          <a:noFill/>
-        </p:spPr>
-        <p:txBody>
-          <a:bodyPr wrap="none" rtlCol="0">
-            <a:spAutoFit/>
-          </a:bodyPr>
-          <a:lstStyle/>
-          <a:p>
-            <a:r>
-              <a:rPr lang="en-US" altLang="zh-CN" sz="1000" b="1"/>
-              <a:t>010588011@yto.net.cn</a:t>
-            </a:r>
-            <a:endParaRPr lang="en-US" sz="1000" b="1"/>
-          </a:p>
-        </p:txBody>
-      </p:sp>
-      <p:cxnSp>
-        <p:nvCxnSpPr>
-          <p:cNvPr id="60" name="Straight Arrow Connector 59"/>
-          <p:cNvCxnSpPr/>
-          <p:nvPr/>
-        </p:nvCxnSpPr>
-        <p:spPr>
-          <a:xfrm>
-            <a:off x="2468351" y="2480034"/>
-            <a:ext cx="0" cy="516062"/>
-          </a:xfrm>
-          <a:prstGeom prst="straightConnector1">
-            <a:avLst/>
-          </a:prstGeom>
-          <a:ln>
-            <a:tailEnd type="triangle"/>
-          </a:ln>
-        </p:spPr>
-        <p:style>
-          <a:lnRef idx="1">
-            <a:schemeClr val="accent1"/>
-          </a:lnRef>
-          <a:fillRef idx="0">
-            <a:schemeClr val="accent1"/>
-          </a:fillRef>
-          <a:effectRef idx="0">
-            <a:schemeClr val="accent1"/>
-          </a:effectRef>
-          <a:fontRef idx="minor">
-            <a:schemeClr val="tx1"/>
-          </a:fontRef>
-        </p:style>
-      </p:cxnSp>
-      <p:sp>
-        <p:nvSpPr>
-          <p:cNvPr id="63" name="TextBox 62"/>
-          <p:cNvSpPr txBox="1"/>
-          <p:nvPr/>
-        </p:nvSpPr>
-        <p:spPr>
-          <a:xfrm>
-            <a:off x="1051655" y="2630713"/>
-            <a:ext cx="1082348" cy="246221"/>
+            <a:off x="6541056" y="1867538"/>
+            <a:ext cx="5396117" cy="2308324"/>
           </a:xfrm>
           <a:prstGeom prst="rect">
             <a:avLst/>
@@ -4228,519 +4360,105 @@
           </a:ln>
         </p:spPr>
         <p:txBody>
-          <a:bodyPr wrap="none" rtlCol="0">
-            <a:spAutoFit/>
-          </a:bodyPr>
-          <a:lstStyle/>
-          <a:p>
-            <a:r>
-              <a:rPr lang="en-US" altLang="zh-CN" sz="1000" b="1"/>
-              <a:t>1.</a:t>
-            </a:r>
-            <a:r>
-              <a:rPr lang="zh-CN" altLang="en-US" sz="1000" b="1"/>
-              <a:t> 登陆业务系统</a:t>
-            </a:r>
-            <a:endParaRPr lang="en-US" sz="1000" b="1"/>
-          </a:p>
-        </p:txBody>
-      </p:sp>
-      <p:pic>
-        <p:nvPicPr>
-          <p:cNvPr id="65" name="image.png"/>
-          <p:cNvPicPr/>
-          <p:nvPr/>
-        </p:nvPicPr>
-        <p:blipFill>
-          <a:blip r:embed="rId3">
-            <a:extLst/>
-          </a:blip>
-          <a:stretch>
-            <a:fillRect/>
-          </a:stretch>
-        </p:blipFill>
-        <p:spPr>
-          <a:xfrm>
-            <a:off x="4334586" y="1693927"/>
-            <a:ext cx="386298" cy="564576"/>
-          </a:xfrm>
-          <a:prstGeom prst="rect">
-            <a:avLst/>
-          </a:prstGeom>
-          <a:ln w="12700">
-            <a:miter lim="400000"/>
-          </a:ln>
-        </p:spPr>
-      </p:pic>
-      <p:sp>
-        <p:nvSpPr>
-          <p:cNvPr id="66" name="TextBox 65"/>
-          <p:cNvSpPr txBox="1"/>
-          <p:nvPr/>
-        </p:nvSpPr>
-        <p:spPr>
-          <a:xfrm>
-            <a:off x="4688197" y="2003625"/>
-            <a:ext cx="697627" cy="246221"/>
-          </a:xfrm>
-          <a:prstGeom prst="rect">
-            <a:avLst/>
-          </a:prstGeom>
-          <a:noFill/>
-        </p:spPr>
-        <p:txBody>
-          <a:bodyPr wrap="none" rtlCol="0">
-            <a:spAutoFit/>
-          </a:bodyPr>
-          <a:lstStyle/>
-          <a:p>
-            <a:r>
-              <a:rPr lang="zh-CN" altLang="en-US" sz="1000" b="1"/>
-              <a:t>认证服务</a:t>
-            </a:r>
-            <a:endParaRPr lang="en-US" sz="1000" b="1"/>
-          </a:p>
-        </p:txBody>
-      </p:sp>
-      <p:sp>
-        <p:nvSpPr>
-          <p:cNvPr id="71" name="TextBox 70"/>
-          <p:cNvSpPr txBox="1"/>
-          <p:nvPr/>
-        </p:nvSpPr>
-        <p:spPr>
-          <a:xfrm>
-            <a:off x="2522270" y="2654620"/>
-            <a:ext cx="1082348" cy="246221"/>
-          </a:xfrm>
-          <a:prstGeom prst="rect">
-            <a:avLst/>
-          </a:prstGeom>
-          <a:noFill/>
-          <a:ln>
-            <a:noFill/>
-          </a:ln>
-        </p:spPr>
-        <p:txBody>
-          <a:bodyPr wrap="none" rtlCol="0">
-            <a:spAutoFit/>
-          </a:bodyPr>
-          <a:lstStyle/>
-          <a:p>
-            <a:r>
-              <a:rPr lang="en-US" altLang="zh-CN" sz="1000" b="1"/>
-              <a:t>4.</a:t>
-            </a:r>
-            <a:r>
-              <a:rPr lang="zh-CN" altLang="en-US" sz="1000" b="1"/>
-              <a:t> 获得用户令牌</a:t>
-            </a:r>
-            <a:endParaRPr lang="en-US" sz="1000" b="1"/>
-          </a:p>
-        </p:txBody>
-      </p:sp>
-      <p:cxnSp>
-        <p:nvCxnSpPr>
-          <p:cNvPr id="72" name="Straight Arrow Connector 71"/>
-          <p:cNvCxnSpPr/>
-          <p:nvPr/>
-        </p:nvCxnSpPr>
-        <p:spPr>
-          <a:xfrm>
-            <a:off x="2717878" y="1877638"/>
-            <a:ext cx="1478630" cy="0"/>
-          </a:xfrm>
-          <a:prstGeom prst="straightConnector1">
-            <a:avLst/>
-          </a:prstGeom>
-          <a:ln>
-            <a:tailEnd type="triangle"/>
-          </a:ln>
-        </p:spPr>
-        <p:style>
-          <a:lnRef idx="1">
-            <a:schemeClr val="accent1"/>
-          </a:lnRef>
-          <a:fillRef idx="0">
-            <a:schemeClr val="accent1"/>
-          </a:fillRef>
-          <a:effectRef idx="0">
-            <a:schemeClr val="accent1"/>
-          </a:effectRef>
-          <a:fontRef idx="minor">
-            <a:schemeClr val="tx1"/>
-          </a:fontRef>
-        </p:style>
-      </p:cxnSp>
-      <p:sp>
-        <p:nvSpPr>
-          <p:cNvPr id="74" name="TextBox 73"/>
-          <p:cNvSpPr txBox="1"/>
-          <p:nvPr/>
-        </p:nvSpPr>
-        <p:spPr>
-          <a:xfrm>
-            <a:off x="2872621" y="1634484"/>
-            <a:ext cx="1082348" cy="246221"/>
-          </a:xfrm>
-          <a:prstGeom prst="rect">
-            <a:avLst/>
-          </a:prstGeom>
-          <a:noFill/>
-          <a:ln>
-            <a:noFill/>
-          </a:ln>
-        </p:spPr>
-        <p:txBody>
-          <a:bodyPr wrap="none" rtlCol="0">
-            <a:spAutoFit/>
-          </a:bodyPr>
-          <a:lstStyle/>
-          <a:p>
-            <a:r>
-              <a:rPr lang="en-US" altLang="zh-CN" sz="1000" b="1"/>
-              <a:t>2.</a:t>
-            </a:r>
-            <a:r>
-              <a:rPr lang="zh-CN" altLang="en-US" sz="1000" b="1"/>
-              <a:t> 用户登录通知</a:t>
-            </a:r>
-            <a:endParaRPr lang="en-US" sz="1000" b="1"/>
-          </a:p>
-        </p:txBody>
-      </p:sp>
-      <p:cxnSp>
-        <p:nvCxnSpPr>
-          <p:cNvPr id="75" name="Straight Arrow Connector 74"/>
-          <p:cNvCxnSpPr/>
-          <p:nvPr/>
-        </p:nvCxnSpPr>
-        <p:spPr>
-          <a:xfrm flipH="1">
-            <a:off x="2752037" y="2145012"/>
-            <a:ext cx="1404205" cy="0"/>
-          </a:xfrm>
-          <a:prstGeom prst="straightConnector1">
-            <a:avLst/>
-          </a:prstGeom>
-          <a:ln>
-            <a:tailEnd type="triangle"/>
-          </a:ln>
-        </p:spPr>
-        <p:style>
-          <a:lnRef idx="1">
-            <a:schemeClr val="accent1"/>
-          </a:lnRef>
-          <a:fillRef idx="0">
-            <a:schemeClr val="accent1"/>
-          </a:fillRef>
-          <a:effectRef idx="0">
-            <a:schemeClr val="accent1"/>
-          </a:effectRef>
-          <a:fontRef idx="minor">
-            <a:schemeClr val="tx1"/>
-          </a:fontRef>
-        </p:style>
-      </p:cxnSp>
-      <p:sp>
-        <p:nvSpPr>
-          <p:cNvPr id="79" name="TextBox 78"/>
-          <p:cNvSpPr txBox="1"/>
-          <p:nvPr/>
-        </p:nvSpPr>
-        <p:spPr>
-          <a:xfrm>
-            <a:off x="2805998" y="2183189"/>
-            <a:ext cx="1082348" cy="246221"/>
-          </a:xfrm>
-          <a:prstGeom prst="rect">
-            <a:avLst/>
-          </a:prstGeom>
-          <a:noFill/>
-          <a:ln>
-            <a:noFill/>
-          </a:ln>
-        </p:spPr>
-        <p:txBody>
-          <a:bodyPr wrap="none" rtlCol="0">
-            <a:spAutoFit/>
-          </a:bodyPr>
-          <a:lstStyle/>
-          <a:p>
-            <a:r>
-              <a:rPr lang="en-US" altLang="zh-CN" sz="1000" b="1"/>
-              <a:t>3.</a:t>
-            </a:r>
-            <a:r>
-              <a:rPr lang="zh-CN" altLang="en-US" sz="1000" b="1"/>
-              <a:t> 返回访问令牌</a:t>
-            </a:r>
-            <a:endParaRPr lang="en-US" sz="1000" b="1"/>
-          </a:p>
-        </p:txBody>
-      </p:sp>
-      <p:sp>
-        <p:nvSpPr>
-          <p:cNvPr id="84" name="TextBox 83"/>
-          <p:cNvSpPr txBox="1"/>
-          <p:nvPr/>
-        </p:nvSpPr>
-        <p:spPr>
-          <a:xfrm>
-            <a:off x="2965435" y="3396056"/>
-            <a:ext cx="1181734" cy="246221"/>
-          </a:xfrm>
-          <a:prstGeom prst="rect">
-            <a:avLst/>
-          </a:prstGeom>
-          <a:noFill/>
-          <a:ln>
-            <a:noFill/>
-          </a:ln>
-        </p:spPr>
-        <p:txBody>
-          <a:bodyPr wrap="none" rtlCol="0">
-            <a:spAutoFit/>
-          </a:bodyPr>
-          <a:lstStyle/>
-          <a:p>
-            <a:r>
-              <a:rPr lang="en-US" altLang="zh-CN" sz="1000" b="1"/>
-              <a:t>5.</a:t>
-            </a:r>
-            <a:r>
-              <a:rPr lang="zh-CN" altLang="en-US" sz="1000" b="1"/>
-              <a:t>登录推送服务器</a:t>
-            </a:r>
-            <a:endParaRPr lang="en-US" sz="1000" b="1"/>
-          </a:p>
-        </p:txBody>
-      </p:sp>
-      <p:pic>
-        <p:nvPicPr>
-          <p:cNvPr id="85" name="image.png"/>
-          <p:cNvPicPr/>
-          <p:nvPr/>
-        </p:nvPicPr>
-        <p:blipFill>
-          <a:blip r:embed="rId4">
-            <a:extLst/>
-          </a:blip>
-          <a:stretch>
-            <a:fillRect/>
-          </a:stretch>
-        </p:blipFill>
-        <p:spPr>
-          <a:xfrm>
-            <a:off x="3306125" y="3197623"/>
-            <a:ext cx="297583" cy="118269"/>
-          </a:xfrm>
-          <a:prstGeom prst="rect">
-            <a:avLst/>
-          </a:prstGeom>
-          <a:ln w="12700">
-            <a:miter lim="400000"/>
-          </a:ln>
-        </p:spPr>
-      </p:pic>
-      <p:pic>
-        <p:nvPicPr>
-          <p:cNvPr id="86" name="image.png"/>
-          <p:cNvPicPr/>
-          <p:nvPr/>
-        </p:nvPicPr>
-        <p:blipFill>
-          <a:blip r:embed="rId3">
-            <a:extLst/>
-          </a:blip>
-          <a:stretch>
-            <a:fillRect/>
-          </a:stretch>
-        </p:blipFill>
-        <p:spPr>
-          <a:xfrm>
-            <a:off x="4334586" y="3033604"/>
-            <a:ext cx="386298" cy="564576"/>
-          </a:xfrm>
-          <a:prstGeom prst="rect">
-            <a:avLst/>
-          </a:prstGeom>
-          <a:ln w="12700">
-            <a:miter lim="400000"/>
-          </a:ln>
-        </p:spPr>
-      </p:pic>
-      <p:sp>
-        <p:nvSpPr>
-          <p:cNvPr id="87" name="TextBox 86"/>
-          <p:cNvSpPr txBox="1"/>
-          <p:nvPr/>
-        </p:nvSpPr>
-        <p:spPr>
-          <a:xfrm>
-            <a:off x="4688197" y="3343302"/>
-            <a:ext cx="697627" cy="246221"/>
-          </a:xfrm>
-          <a:prstGeom prst="rect">
-            <a:avLst/>
-          </a:prstGeom>
-          <a:noFill/>
-        </p:spPr>
-        <p:txBody>
-          <a:bodyPr wrap="none" rtlCol="0">
-            <a:spAutoFit/>
-          </a:bodyPr>
-          <a:lstStyle/>
-          <a:p>
-            <a:r>
-              <a:rPr lang="zh-CN" altLang="en-US" sz="1000" b="1"/>
-              <a:t>接入服务</a:t>
-            </a:r>
-            <a:endParaRPr lang="en-US" sz="1000" b="1"/>
-          </a:p>
-        </p:txBody>
-      </p:sp>
-      <p:sp>
-        <p:nvSpPr>
-          <p:cNvPr id="89" name="TextBox 88"/>
-          <p:cNvSpPr txBox="1"/>
-          <p:nvPr/>
-        </p:nvSpPr>
-        <p:spPr>
-          <a:xfrm>
-            <a:off x="2350695" y="3987610"/>
-            <a:ext cx="1604274" cy="307777"/>
-          </a:xfrm>
-          <a:prstGeom prst="rect">
-            <a:avLst/>
-          </a:prstGeom>
-          <a:noFill/>
-        </p:spPr>
-        <p:txBody>
           <a:bodyPr wrap="square" rtlCol="0">
             <a:spAutoFit/>
           </a:bodyPr>
           <a:lstStyle/>
           <a:p>
-            <a:pPr algn="ctr"/>
-            <a:r>
-              <a:rPr lang="zh-CN" altLang="en-US" sz="1400" b="1" u="sng">
-                <a:latin typeface="+mn-ea"/>
-                <a:cs typeface="Al Bayan Plain" charset="-78"/>
-              </a:rPr>
-              <a:t>登陆流程</a:t>
-            </a:r>
-          </a:p>
-        </p:txBody>
-      </p:sp>
-      <p:sp>
-        <p:nvSpPr>
-          <p:cNvPr id="90" name="TextBox 89"/>
-          <p:cNvSpPr txBox="1"/>
-          <p:nvPr/>
-        </p:nvSpPr>
-        <p:spPr>
-          <a:xfrm>
-            <a:off x="1051655" y="4758752"/>
-            <a:ext cx="5396117" cy="1107996"/>
-          </a:xfrm>
-          <a:prstGeom prst="rect">
-            <a:avLst/>
-          </a:prstGeom>
-          <a:noFill/>
-          <a:ln>
-            <a:noFill/>
-          </a:ln>
-        </p:spPr>
-        <p:txBody>
-          <a:bodyPr wrap="square" rtlCol="0">
-            <a:spAutoFit/>
-          </a:bodyPr>
-          <a:lstStyle/>
-          <a:p>
-            <a:endParaRPr lang="zh-CN" altLang="en-US" sz="1100" b="1"/>
-          </a:p>
-          <a:p>
-            <a:r>
-              <a:rPr lang="en-US" altLang="zh-CN" sz="1100" b="1"/>
-              <a:t>1.</a:t>
-            </a:r>
-            <a:r>
-              <a:rPr lang="zh-CN" altLang="en-US" sz="1100" b="1"/>
-              <a:t> 当用户登录到业务系统时，业务系统后台将用户</a:t>
-            </a:r>
-            <a:r>
-              <a:rPr lang="en-US" altLang="zh-CN" sz="1100" b="1"/>
+            <a:pPr marL="285750" indent="-285750">
+              <a:buFont typeface="Wingdings" charset="2"/>
+              <a:buChar char="§"/>
+            </a:pPr>
+            <a:endParaRPr lang="zh-CN" altLang="en-US"/>
+          </a:p>
+          <a:p>
+            <a:pPr marL="285750" indent="-285750">
+              <a:buFont typeface="Wingdings" charset="2"/>
+              <a:buChar char="§"/>
+            </a:pPr>
+            <a:r>
+              <a:rPr lang="zh-CN" altLang="en-US"/>
+              <a:t>当用户登录到业务系统时，业务系统后台将用户</a:t>
+            </a:r>
+            <a:r>
+              <a:rPr lang="en-US" altLang="zh-CN"/>
               <a:t>id</a:t>
             </a:r>
             <a:r>
-              <a:rPr lang="zh-CN" altLang="en-US" sz="1100" b="1"/>
+              <a:rPr lang="zh-CN" altLang="en-US"/>
               <a:t>和</a:t>
             </a:r>
             <a:r>
-              <a:rPr lang="en-US" altLang="zh-CN" sz="1100" b="1"/>
+              <a:rPr lang="en-US" altLang="zh-CN"/>
               <a:t>koala</a:t>
             </a:r>
             <a:r>
-              <a:rPr lang="zh-CN" altLang="en-US" sz="1100" b="1"/>
+              <a:rPr lang="zh-CN" altLang="en-US"/>
               <a:t>系统分配的</a:t>
             </a:r>
             <a:r>
-              <a:rPr lang="en-US" altLang="zh-CN" sz="1100" b="1"/>
+              <a:rPr lang="en-US" altLang="zh-CN"/>
               <a:t>ap p_id</a:t>
             </a:r>
             <a:r>
-              <a:rPr lang="zh-CN" altLang="en-US" sz="1100" b="1"/>
+              <a:rPr lang="zh-CN" altLang="en-US"/>
               <a:t>、</a:t>
             </a:r>
             <a:r>
-              <a:rPr lang="en-US" altLang="zh-CN" sz="1100" b="1"/>
+              <a:rPr lang="en-US" altLang="zh-CN"/>
               <a:t>secret_key</a:t>
             </a:r>
             <a:r>
-              <a:rPr lang="zh-CN" altLang="en-US" sz="1100" b="1"/>
+              <a:rPr lang="zh-CN" altLang="en-US"/>
               <a:t>发送给认证服务器请求获取访问控制，</a:t>
             </a:r>
             <a:r>
-              <a:rPr lang="en-US" altLang="zh-CN" sz="1100" b="1"/>
+              <a:rPr lang="en-US" altLang="zh-CN"/>
               <a:t>koala</a:t>
             </a:r>
             <a:r>
-              <a:rPr lang="zh-CN" altLang="en-US" sz="1100" b="1"/>
+              <a:rPr lang="zh-CN" altLang="en-US"/>
               <a:t>认证服务返回此用户后继访问推送系统的令牌。</a:t>
             </a:r>
           </a:p>
           <a:p>
-            <a:r>
-              <a:rPr lang="en-US" altLang="zh-CN" sz="1100" b="1"/>
-              <a:t>2.</a:t>
-            </a:r>
-            <a:r>
-              <a:rPr lang="zh-CN" altLang="en-US" sz="1100" b="1"/>
+            <a:pPr marL="285750" indent="-285750">
+              <a:buFont typeface="Wingdings" charset="2"/>
+              <a:buChar char="§"/>
+            </a:pPr>
+            <a:endParaRPr lang="zh-CN" altLang="en-US"/>
+          </a:p>
+          <a:p>
+            <a:pPr marL="285750" indent="-285750">
+              <a:buFont typeface="Wingdings" charset="2"/>
+              <a:buChar char="§"/>
+            </a:pPr>
+            <a:r>
+              <a:rPr lang="zh-CN" altLang="en-US"/>
               <a:t>用户获得令牌之后登录</a:t>
             </a:r>
             <a:r>
-              <a:rPr lang="en-US" altLang="zh-CN" sz="1100" b="1"/>
+              <a:rPr lang="en-US" altLang="zh-CN"/>
               <a:t>koala</a:t>
             </a:r>
             <a:r>
-              <a:rPr lang="zh-CN" altLang="en-US" sz="1100" b="1"/>
+              <a:rPr lang="zh-CN" altLang="en-US"/>
               <a:t>的接入服务器</a:t>
             </a:r>
             <a:r>
-              <a:rPr lang="en-US" altLang="zh-CN" sz="1100" b="1"/>
+              <a:rPr lang="en-US" altLang="zh-CN"/>
               <a:t>(mgws),</a:t>
             </a:r>
             <a:r>
-              <a:rPr lang="zh-CN" altLang="en-US" sz="1100" b="1"/>
+              <a:rPr lang="zh-CN" altLang="en-US"/>
               <a:t>开始接收来自</a:t>
             </a:r>
             <a:r>
-              <a:rPr lang="en-US" altLang="zh-CN" sz="1100" b="1"/>
+              <a:rPr lang="en-US" altLang="zh-CN"/>
               <a:t>koala</a:t>
             </a:r>
             <a:r>
-              <a:rPr lang="zh-CN" altLang="en-US" sz="1100" b="1"/>
+              <a:rPr lang="zh-CN" altLang="en-US"/>
               <a:t>系统的推送消息。 </a:t>
             </a:r>
           </a:p>
@@ -4748,28 +4466,666 @@
       </p:sp>
       <p:grpSp>
         <p:nvGrpSpPr>
-          <p:cNvPr id="3" name="Group 2"/>
+          <p:cNvPr id="2" name="Group 1"/>
           <p:cNvGrpSpPr/>
           <p:nvPr/>
         </p:nvGrpSpPr>
         <p:grpSpPr>
           <a:xfrm>
-            <a:off x="6991403" y="909728"/>
-            <a:ext cx="4455843" cy="3603639"/>
-            <a:chOff x="6476218" y="1271778"/>
-            <a:chExt cx="4455843" cy="3603639"/>
+            <a:off x="733786" y="2057150"/>
+            <a:ext cx="5451843" cy="3233935"/>
+            <a:chOff x="1051655" y="1513140"/>
+            <a:chExt cx="4712931" cy="2793502"/>
           </a:xfrm>
         </p:grpSpPr>
+        <p:cxnSp>
+          <p:nvCxnSpPr>
+            <p:cNvPr id="23" name="Straight Arrow Connector 22"/>
+            <p:cNvCxnSpPr/>
+            <p:nvPr/>
+          </p:nvCxnSpPr>
+          <p:spPr>
+            <a:xfrm flipV="1">
+              <a:off x="2169945" y="2443116"/>
+              <a:ext cx="0" cy="540701"/>
+            </a:xfrm>
+            <a:prstGeom prst="straightConnector1">
+              <a:avLst/>
+            </a:prstGeom>
+            <a:ln>
+              <a:tailEnd type="triangle"/>
+            </a:ln>
+          </p:spPr>
+          <p:style>
+            <a:lnRef idx="1">
+              <a:schemeClr val="accent1"/>
+            </a:lnRef>
+            <a:fillRef idx="0">
+              <a:schemeClr val="accent1"/>
+            </a:fillRef>
+            <a:effectRef idx="0">
+              <a:schemeClr val="accent1"/>
+            </a:effectRef>
+            <a:fontRef idx="minor">
+              <a:schemeClr val="tx1"/>
+            </a:fontRef>
+          </p:style>
+        </p:cxnSp>
+        <p:cxnSp>
+          <p:nvCxnSpPr>
+            <p:cNvPr id="47" name="Straight Arrow Connector 46"/>
+            <p:cNvCxnSpPr/>
+            <p:nvPr/>
+          </p:nvCxnSpPr>
+          <p:spPr>
+            <a:xfrm>
+              <a:off x="2549378" y="3347047"/>
+              <a:ext cx="1718199" cy="6014"/>
+            </a:xfrm>
+            <a:prstGeom prst="straightConnector1">
+              <a:avLst/>
+            </a:prstGeom>
+            <a:ln>
+              <a:tailEnd type="triangle"/>
+            </a:ln>
+          </p:spPr>
+          <p:style>
+            <a:lnRef idx="1">
+              <a:schemeClr val="accent1"/>
+            </a:lnRef>
+            <a:fillRef idx="0">
+              <a:schemeClr val="accent1"/>
+            </a:fillRef>
+            <a:effectRef idx="0">
+              <a:schemeClr val="accent1"/>
+            </a:effectRef>
+            <a:fontRef idx="minor">
+              <a:schemeClr val="tx1"/>
+            </a:fontRef>
+          </p:style>
+        </p:cxnSp>
+        <p:pic>
+          <p:nvPicPr>
+            <p:cNvPr id="52" name="AliceRight.png"/>
+            <p:cNvPicPr/>
+            <p:nvPr/>
+          </p:nvPicPr>
+          <p:blipFill>
+            <a:blip r:embed="rId2">
+              <a:extLst/>
+            </a:blip>
+            <a:stretch>
+              <a:fillRect/>
+            </a:stretch>
+          </p:blipFill>
+          <p:spPr>
+            <a:xfrm>
+              <a:off x="2022047" y="3155980"/>
+              <a:ext cx="323057" cy="425613"/>
+            </a:xfrm>
+            <a:prstGeom prst="rect">
+              <a:avLst/>
+            </a:prstGeom>
+            <a:ln w="12700">
+              <a:miter lim="400000"/>
+            </a:ln>
+          </p:spPr>
+        </p:pic>
+        <p:pic>
+          <p:nvPicPr>
+            <p:cNvPr id="53" name="image.png"/>
+            <p:cNvPicPr/>
+            <p:nvPr/>
+          </p:nvPicPr>
+          <p:blipFill>
+            <a:blip r:embed="rId3">
+              <a:extLst/>
+            </a:blip>
+            <a:stretch>
+              <a:fillRect/>
+            </a:stretch>
+          </p:blipFill>
+          <p:spPr>
+            <a:xfrm>
+              <a:off x="2099248" y="1720014"/>
+              <a:ext cx="386298" cy="564576"/>
+            </a:xfrm>
+            <a:prstGeom prst="rect">
+              <a:avLst/>
+            </a:prstGeom>
+            <a:ln w="12700">
+              <a:miter lim="400000"/>
+            </a:ln>
+          </p:spPr>
+        </p:pic>
         <p:sp>
           <p:nvSpPr>
-            <p:cNvPr id="150" name="Rounded Rectangle 149"/>
+            <p:cNvPr id="55" name="TextBox 54"/>
+            <p:cNvSpPr txBox="1"/>
+            <p:nvPr/>
+          </p:nvSpPr>
+          <p:spPr>
+            <a:xfrm>
+              <a:off x="1273381" y="1976215"/>
+              <a:ext cx="769363" cy="225981"/>
+            </a:xfrm>
+            <a:prstGeom prst="rect">
+              <a:avLst/>
+            </a:prstGeom>
+            <a:noFill/>
+          </p:spPr>
+          <p:txBody>
+            <a:bodyPr wrap="none" rtlCol="0">
+              <a:spAutoFit/>
+            </a:bodyPr>
+            <a:lstStyle/>
+            <a:p>
+              <a:r>
+                <a:rPr lang="zh-CN" altLang="en-US" sz="1100" b="1"/>
+                <a:t>应用服务器</a:t>
+              </a:r>
+              <a:endParaRPr lang="en-US" sz="1100" b="1"/>
+            </a:p>
+          </p:txBody>
+        </p:sp>
+        <p:sp>
+          <p:nvSpPr>
+            <p:cNvPr id="59" name="TextBox 58"/>
+            <p:cNvSpPr txBox="1"/>
+            <p:nvPr/>
+          </p:nvSpPr>
+          <p:spPr>
+            <a:xfrm>
+              <a:off x="1312700" y="3630645"/>
+              <a:ext cx="1348603" cy="225981"/>
+            </a:xfrm>
+            <a:prstGeom prst="rect">
+              <a:avLst/>
+            </a:prstGeom>
+            <a:noFill/>
+          </p:spPr>
+          <p:txBody>
+            <a:bodyPr wrap="none" rtlCol="0">
+              <a:spAutoFit/>
+            </a:bodyPr>
+            <a:lstStyle/>
+            <a:p>
+              <a:r>
+                <a:rPr lang="en-US" altLang="zh-CN" sz="1100" b="1"/>
+                <a:t>010588011@yto.net.cn</a:t>
+              </a:r>
+              <a:endParaRPr lang="en-US" sz="1100" b="1"/>
+            </a:p>
+          </p:txBody>
+        </p:sp>
+        <p:cxnSp>
+          <p:nvCxnSpPr>
+            <p:cNvPr id="60" name="Straight Arrow Connector 59"/>
+            <p:cNvCxnSpPr/>
+            <p:nvPr/>
+          </p:nvCxnSpPr>
+          <p:spPr>
+            <a:xfrm>
+              <a:off x="2468351" y="2480034"/>
+              <a:ext cx="0" cy="516062"/>
+            </a:xfrm>
+            <a:prstGeom prst="straightConnector1">
+              <a:avLst/>
+            </a:prstGeom>
+            <a:ln>
+              <a:tailEnd type="triangle"/>
+            </a:ln>
+          </p:spPr>
+          <p:style>
+            <a:lnRef idx="1">
+              <a:schemeClr val="accent1"/>
+            </a:lnRef>
+            <a:fillRef idx="0">
+              <a:schemeClr val="accent1"/>
+            </a:fillRef>
+            <a:effectRef idx="0">
+              <a:schemeClr val="accent1"/>
+            </a:effectRef>
+            <a:fontRef idx="minor">
+              <a:schemeClr val="tx1"/>
+            </a:fontRef>
+          </p:style>
+        </p:cxnSp>
+        <p:sp>
+          <p:nvSpPr>
+            <p:cNvPr id="63" name="TextBox 62"/>
+            <p:cNvSpPr txBox="1"/>
+            <p:nvPr/>
+          </p:nvSpPr>
+          <p:spPr>
+            <a:xfrm>
+              <a:off x="1051655" y="2630713"/>
+              <a:ext cx="1014640" cy="225981"/>
+            </a:xfrm>
+            <a:prstGeom prst="rect">
+              <a:avLst/>
+            </a:prstGeom>
+            <a:noFill/>
+            <a:ln>
+              <a:noFill/>
+            </a:ln>
+          </p:spPr>
+          <p:txBody>
+            <a:bodyPr wrap="none" rtlCol="0">
+              <a:spAutoFit/>
+            </a:bodyPr>
+            <a:lstStyle/>
+            <a:p>
+              <a:r>
+                <a:rPr lang="en-US" altLang="zh-CN" sz="1100" b="1"/>
+                <a:t>1.</a:t>
+              </a:r>
+              <a:r>
+                <a:rPr lang="zh-CN" altLang="en-US" sz="1100" b="1"/>
+                <a:t> 登陆业务系统</a:t>
+              </a:r>
+              <a:endParaRPr lang="en-US" sz="1100" b="1"/>
+            </a:p>
+          </p:txBody>
+        </p:sp>
+        <p:pic>
+          <p:nvPicPr>
+            <p:cNvPr id="65" name="image.png"/>
+            <p:cNvPicPr/>
+            <p:nvPr/>
+          </p:nvPicPr>
+          <p:blipFill>
+            <a:blip r:embed="rId3">
+              <a:extLst/>
+            </a:blip>
+            <a:stretch>
+              <a:fillRect/>
+            </a:stretch>
+          </p:blipFill>
+          <p:spPr>
+            <a:xfrm>
+              <a:off x="4334586" y="1693927"/>
+              <a:ext cx="386298" cy="564576"/>
+            </a:xfrm>
+            <a:prstGeom prst="rect">
+              <a:avLst/>
+            </a:prstGeom>
+            <a:ln w="12700">
+              <a:miter lim="400000"/>
+            </a:ln>
+          </p:spPr>
+        </p:pic>
+        <p:sp>
+          <p:nvSpPr>
+            <p:cNvPr id="66" name="TextBox 65"/>
+            <p:cNvSpPr txBox="1"/>
+            <p:nvPr/>
+          </p:nvSpPr>
+          <p:spPr>
+            <a:xfrm>
+              <a:off x="4688197" y="2003625"/>
+              <a:ext cx="647418" cy="225981"/>
+            </a:xfrm>
+            <a:prstGeom prst="rect">
+              <a:avLst/>
+            </a:prstGeom>
+            <a:noFill/>
+          </p:spPr>
+          <p:txBody>
+            <a:bodyPr wrap="none" rtlCol="0">
+              <a:spAutoFit/>
+            </a:bodyPr>
+            <a:lstStyle/>
+            <a:p>
+              <a:r>
+                <a:rPr lang="zh-CN" altLang="en-US" sz="1100" b="1"/>
+                <a:t>认证服务</a:t>
+              </a:r>
+              <a:endParaRPr lang="en-US" sz="1100" b="1"/>
+            </a:p>
+          </p:txBody>
+        </p:sp>
+        <p:sp>
+          <p:nvSpPr>
+            <p:cNvPr id="71" name="TextBox 70"/>
+            <p:cNvSpPr txBox="1"/>
+            <p:nvPr/>
+          </p:nvSpPr>
+          <p:spPr>
+            <a:xfrm>
+              <a:off x="2522270" y="2654620"/>
+              <a:ext cx="1014640" cy="225981"/>
+            </a:xfrm>
+            <a:prstGeom prst="rect">
+              <a:avLst/>
+            </a:prstGeom>
+            <a:noFill/>
+            <a:ln>
+              <a:noFill/>
+            </a:ln>
+          </p:spPr>
+          <p:txBody>
+            <a:bodyPr wrap="none" rtlCol="0">
+              <a:spAutoFit/>
+            </a:bodyPr>
+            <a:lstStyle/>
+            <a:p>
+              <a:r>
+                <a:rPr lang="en-US" altLang="zh-CN" sz="1100" b="1"/>
+                <a:t>4.</a:t>
+              </a:r>
+              <a:r>
+                <a:rPr lang="zh-CN" altLang="en-US" sz="1100" b="1"/>
+                <a:t> 获得用户令牌</a:t>
+              </a:r>
+              <a:endParaRPr lang="en-US" sz="1100" b="1"/>
+            </a:p>
+          </p:txBody>
+        </p:sp>
+        <p:cxnSp>
+          <p:nvCxnSpPr>
+            <p:cNvPr id="72" name="Straight Arrow Connector 71"/>
+            <p:cNvCxnSpPr/>
+            <p:nvPr/>
+          </p:nvCxnSpPr>
+          <p:spPr>
+            <a:xfrm>
+              <a:off x="2717878" y="1877638"/>
+              <a:ext cx="1478630" cy="0"/>
+            </a:xfrm>
+            <a:prstGeom prst="straightConnector1">
+              <a:avLst/>
+            </a:prstGeom>
+            <a:ln>
+              <a:tailEnd type="triangle"/>
+            </a:ln>
+          </p:spPr>
+          <p:style>
+            <a:lnRef idx="1">
+              <a:schemeClr val="accent1"/>
+            </a:lnRef>
+            <a:fillRef idx="0">
+              <a:schemeClr val="accent1"/>
+            </a:fillRef>
+            <a:effectRef idx="0">
+              <a:schemeClr val="accent1"/>
+            </a:effectRef>
+            <a:fontRef idx="minor">
+              <a:schemeClr val="tx1"/>
+            </a:fontRef>
+          </p:style>
+        </p:cxnSp>
+        <p:sp>
+          <p:nvSpPr>
+            <p:cNvPr id="74" name="TextBox 73"/>
+            <p:cNvSpPr txBox="1"/>
+            <p:nvPr/>
+          </p:nvSpPr>
+          <p:spPr>
+            <a:xfrm>
+              <a:off x="2872621" y="1634484"/>
+              <a:ext cx="1014640" cy="225981"/>
+            </a:xfrm>
+            <a:prstGeom prst="rect">
+              <a:avLst/>
+            </a:prstGeom>
+            <a:noFill/>
+            <a:ln>
+              <a:noFill/>
+            </a:ln>
+          </p:spPr>
+          <p:txBody>
+            <a:bodyPr wrap="none" rtlCol="0">
+              <a:spAutoFit/>
+            </a:bodyPr>
+            <a:lstStyle/>
+            <a:p>
+              <a:r>
+                <a:rPr lang="en-US" altLang="zh-CN" sz="1100" b="1"/>
+                <a:t>2.</a:t>
+              </a:r>
+              <a:r>
+                <a:rPr lang="zh-CN" altLang="en-US" sz="1100" b="1"/>
+                <a:t> 用户登录通知</a:t>
+              </a:r>
+              <a:endParaRPr lang="en-US" sz="1100" b="1"/>
+            </a:p>
+          </p:txBody>
+        </p:sp>
+        <p:cxnSp>
+          <p:nvCxnSpPr>
+            <p:cNvPr id="75" name="Straight Arrow Connector 74"/>
+            <p:cNvCxnSpPr/>
+            <p:nvPr/>
+          </p:nvCxnSpPr>
+          <p:spPr>
+            <a:xfrm flipH="1">
+              <a:off x="2752037" y="2145012"/>
+              <a:ext cx="1404205" cy="0"/>
+            </a:xfrm>
+            <a:prstGeom prst="straightConnector1">
+              <a:avLst/>
+            </a:prstGeom>
+            <a:ln>
+              <a:tailEnd type="triangle"/>
+            </a:ln>
+          </p:spPr>
+          <p:style>
+            <a:lnRef idx="1">
+              <a:schemeClr val="accent1"/>
+            </a:lnRef>
+            <a:fillRef idx="0">
+              <a:schemeClr val="accent1"/>
+            </a:fillRef>
+            <a:effectRef idx="0">
+              <a:schemeClr val="accent1"/>
+            </a:effectRef>
+            <a:fontRef idx="minor">
+              <a:schemeClr val="tx1"/>
+            </a:fontRef>
+          </p:style>
+        </p:cxnSp>
+        <p:sp>
+          <p:nvSpPr>
+            <p:cNvPr id="79" name="TextBox 78"/>
+            <p:cNvSpPr txBox="1"/>
+            <p:nvPr/>
+          </p:nvSpPr>
+          <p:spPr>
+            <a:xfrm>
+              <a:off x="2805998" y="2183189"/>
+              <a:ext cx="1014640" cy="225981"/>
+            </a:xfrm>
+            <a:prstGeom prst="rect">
+              <a:avLst/>
+            </a:prstGeom>
+            <a:noFill/>
+            <a:ln>
+              <a:noFill/>
+            </a:ln>
+          </p:spPr>
+          <p:txBody>
+            <a:bodyPr wrap="none" rtlCol="0">
+              <a:spAutoFit/>
+            </a:bodyPr>
+            <a:lstStyle/>
+            <a:p>
+              <a:r>
+                <a:rPr lang="en-US" altLang="zh-CN" sz="1100" b="1"/>
+                <a:t>3.</a:t>
+              </a:r>
+              <a:r>
+                <a:rPr lang="zh-CN" altLang="en-US" sz="1100" b="1"/>
+                <a:t> 返回访问令牌</a:t>
+              </a:r>
+              <a:endParaRPr lang="en-US" sz="1100" b="1"/>
+            </a:p>
+          </p:txBody>
+        </p:sp>
+        <p:sp>
+          <p:nvSpPr>
+            <p:cNvPr id="84" name="TextBox 83"/>
+            <p:cNvSpPr txBox="1"/>
+            <p:nvPr/>
+          </p:nvSpPr>
+          <p:spPr>
+            <a:xfrm>
+              <a:off x="2965435" y="3396056"/>
+              <a:ext cx="1108870" cy="225981"/>
+            </a:xfrm>
+            <a:prstGeom prst="rect">
+              <a:avLst/>
+            </a:prstGeom>
+            <a:noFill/>
+            <a:ln>
+              <a:noFill/>
+            </a:ln>
+          </p:spPr>
+          <p:txBody>
+            <a:bodyPr wrap="none" rtlCol="0">
+              <a:spAutoFit/>
+            </a:bodyPr>
+            <a:lstStyle/>
+            <a:p>
+              <a:r>
+                <a:rPr lang="en-US" altLang="zh-CN" sz="1100" b="1"/>
+                <a:t>5.</a:t>
+              </a:r>
+              <a:r>
+                <a:rPr lang="zh-CN" altLang="en-US" sz="1100" b="1"/>
+                <a:t>登录推送服务器</a:t>
+              </a:r>
+              <a:endParaRPr lang="en-US" sz="1100" b="1"/>
+            </a:p>
+          </p:txBody>
+        </p:sp>
+        <p:pic>
+          <p:nvPicPr>
+            <p:cNvPr id="85" name="image.png"/>
+            <p:cNvPicPr/>
+            <p:nvPr/>
+          </p:nvPicPr>
+          <p:blipFill>
+            <a:blip r:embed="rId4">
+              <a:extLst/>
+            </a:blip>
+            <a:stretch>
+              <a:fillRect/>
+            </a:stretch>
+          </p:blipFill>
+          <p:spPr>
+            <a:xfrm>
+              <a:off x="3306125" y="3197623"/>
+              <a:ext cx="297583" cy="118269"/>
+            </a:xfrm>
+            <a:prstGeom prst="rect">
+              <a:avLst/>
+            </a:prstGeom>
+            <a:ln w="12700">
+              <a:miter lim="400000"/>
+            </a:ln>
+          </p:spPr>
+        </p:pic>
+        <p:pic>
+          <p:nvPicPr>
+            <p:cNvPr id="86" name="image.png"/>
+            <p:cNvPicPr/>
+            <p:nvPr/>
+          </p:nvPicPr>
+          <p:blipFill>
+            <a:blip r:embed="rId3">
+              <a:extLst/>
+            </a:blip>
+            <a:stretch>
+              <a:fillRect/>
+            </a:stretch>
+          </p:blipFill>
+          <p:spPr>
+            <a:xfrm>
+              <a:off x="4334586" y="3033604"/>
+              <a:ext cx="386298" cy="564576"/>
+            </a:xfrm>
+            <a:prstGeom prst="rect">
+              <a:avLst/>
+            </a:prstGeom>
+            <a:ln w="12700">
+              <a:miter lim="400000"/>
+            </a:ln>
+          </p:spPr>
+        </p:pic>
+        <p:sp>
+          <p:nvSpPr>
+            <p:cNvPr id="87" name="TextBox 86"/>
+            <p:cNvSpPr txBox="1"/>
+            <p:nvPr/>
+          </p:nvSpPr>
+          <p:spPr>
+            <a:xfrm>
+              <a:off x="4688197" y="3343302"/>
+              <a:ext cx="647418" cy="225981"/>
+            </a:xfrm>
+            <a:prstGeom prst="rect">
+              <a:avLst/>
+            </a:prstGeom>
+            <a:noFill/>
+          </p:spPr>
+          <p:txBody>
+            <a:bodyPr wrap="none" rtlCol="0">
+              <a:spAutoFit/>
+            </a:bodyPr>
+            <a:lstStyle/>
+            <a:p>
+              <a:r>
+                <a:rPr lang="zh-CN" altLang="en-US" sz="1100" b="1"/>
+                <a:t>接入服务</a:t>
+              </a:r>
+              <a:endParaRPr lang="en-US" sz="1100" b="1"/>
+            </a:p>
+          </p:txBody>
+        </p:sp>
+        <p:sp>
+          <p:nvSpPr>
+            <p:cNvPr id="89" name="TextBox 88"/>
+            <p:cNvSpPr txBox="1"/>
+            <p:nvPr/>
+          </p:nvSpPr>
+          <p:spPr>
+            <a:xfrm>
+              <a:off x="2350695" y="3987610"/>
+              <a:ext cx="1604274" cy="319032"/>
+            </a:xfrm>
+            <a:prstGeom prst="rect">
+              <a:avLst/>
+            </a:prstGeom>
+            <a:noFill/>
+          </p:spPr>
+          <p:txBody>
+            <a:bodyPr wrap="square" rtlCol="0">
+              <a:spAutoFit/>
+            </a:bodyPr>
+            <a:lstStyle/>
+            <a:p>
+              <a:pPr algn="ctr"/>
+              <a:r>
+                <a:rPr lang="zh-CN" altLang="en-US" b="1" u="sng">
+                  <a:latin typeface="+mn-ea"/>
+                  <a:cs typeface="Al Bayan Plain" charset="-78"/>
+                </a:rPr>
+                <a:t>登陆流程</a:t>
+              </a:r>
+            </a:p>
+          </p:txBody>
+        </p:sp>
+        <p:sp>
+          <p:nvSpPr>
+            <p:cNvPr id="151" name="Rounded Rectangle 150"/>
             <p:cNvSpPr/>
             <p:nvPr/>
           </p:nvSpPr>
           <p:spPr>
             <a:xfrm>
-              <a:off x="8316473" y="1271778"/>
-              <a:ext cx="2615588" cy="2092424"/>
+              <a:off x="4040746" y="1542179"/>
+              <a:ext cx="1673751" cy="2407665"/>
             </a:xfrm>
             <a:prstGeom prst="roundRect">
               <a:avLst>
@@ -4799,74 +5155,20 @@
             <a:lstStyle/>
             <a:p>
               <a:pPr algn="ctr"/>
-              <a:endParaRPr lang="en-US"/>
+              <a:endParaRPr lang="en-US" sz="2400"/>
             </a:p>
           </p:txBody>
         </p:sp>
-        <p:pic>
-          <p:nvPicPr>
-            <p:cNvPr id="93" name="AliceRight.png"/>
-            <p:cNvPicPr/>
-            <p:nvPr/>
-          </p:nvPicPr>
-          <p:blipFill>
-            <a:blip r:embed="rId2">
-              <a:extLst/>
-            </a:blip>
-            <a:stretch>
-              <a:fillRect/>
-            </a:stretch>
-          </p:blipFill>
-          <p:spPr>
-            <a:xfrm>
-              <a:off x="6954579" y="2646640"/>
-              <a:ext cx="391776" cy="425613"/>
-            </a:xfrm>
-            <a:prstGeom prst="rect">
-              <a:avLst/>
-            </a:prstGeom>
-            <a:ln w="12700">
-              <a:miter lim="400000"/>
-            </a:ln>
-          </p:spPr>
-        </p:pic>
-        <p:pic>
-          <p:nvPicPr>
-            <p:cNvPr id="94" name="image.png"/>
-            <p:cNvPicPr/>
-            <p:nvPr/>
-          </p:nvPicPr>
-          <p:blipFill>
-            <a:blip r:embed="rId3">
-              <a:extLst/>
-            </a:blip>
-            <a:stretch>
-              <a:fillRect/>
-            </a:stretch>
-          </p:blipFill>
-          <p:spPr>
-            <a:xfrm>
-              <a:off x="6959858" y="1365670"/>
-              <a:ext cx="386298" cy="564576"/>
-            </a:xfrm>
-            <a:prstGeom prst="rect">
-              <a:avLst/>
-            </a:prstGeom>
-            <a:ln w="12700">
-              <a:miter lim="400000"/>
-            </a:ln>
-          </p:spPr>
-        </p:pic>
         <p:sp>
           <p:nvSpPr>
-            <p:cNvPr id="95" name="TextBox 94"/>
+            <p:cNvPr id="56" name="TextBox 55"/>
             <p:cNvSpPr txBox="1"/>
             <p:nvPr/>
           </p:nvSpPr>
           <p:spPr>
             <a:xfrm>
-              <a:off x="6673132" y="1892346"/>
-              <a:ext cx="825867" cy="246221"/>
+              <a:off x="4763076" y="1513140"/>
+              <a:ext cx="1001510" cy="292446"/>
             </a:xfrm>
             <a:prstGeom prst="rect">
               <a:avLst/>
@@ -4874,907 +5176,27 @@
             <a:noFill/>
           </p:spPr>
           <p:txBody>
-            <a:bodyPr wrap="none" rtlCol="0">
+            <a:bodyPr wrap="square" rtlCol="0">
               <a:spAutoFit/>
             </a:bodyPr>
             <a:lstStyle/>
             <a:p>
-              <a:r>
-                <a:rPr lang="zh-CN" altLang="en-US" sz="1000" b="1"/>
-                <a:t>应用服务器</a:t>
-              </a:r>
-              <a:endParaRPr lang="en-US" sz="1000" b="1"/>
-            </a:p>
-          </p:txBody>
-        </p:sp>
-        <p:sp>
-          <p:nvSpPr>
-            <p:cNvPr id="96" name="TextBox 95"/>
-            <p:cNvSpPr txBox="1"/>
-            <p:nvPr/>
-          </p:nvSpPr>
-          <p:spPr>
-            <a:xfrm>
-              <a:off x="6476218" y="3056894"/>
-              <a:ext cx="1104790" cy="400110"/>
-            </a:xfrm>
-            <a:prstGeom prst="rect">
-              <a:avLst/>
-            </a:prstGeom>
-            <a:noFill/>
-          </p:spPr>
-          <p:txBody>
-            <a:bodyPr wrap="none" rtlCol="0">
-              <a:spAutoFit/>
-            </a:bodyPr>
-            <a:lstStyle/>
-            <a:p>
-              <a:r>
-                <a:rPr lang="en-US" altLang="zh-CN" sz="1000" b="1"/>
-                <a:t>0201@yto.net.cn</a:t>
-              </a:r>
-            </a:p>
-            <a:p>
               <a:pPr algn="ctr"/>
               <a:r>
-                <a:rPr lang="en-US" sz="1000" b="1"/>
-                <a:t>- H5 -</a:t>
+                <a:rPr lang="en-US" altLang="zh-CN" sz="1600" b="1" u="sng">
+                  <a:latin typeface="+mn-ea"/>
+                  <a:cs typeface="Al Bayan Plain" charset="-78"/>
+                </a:rPr>
+                <a:t>koala</a:t>
               </a:r>
-            </a:p>
-          </p:txBody>
-        </p:sp>
-        <p:pic>
-          <p:nvPicPr>
-            <p:cNvPr id="99" name="image.png"/>
-            <p:cNvPicPr/>
-            <p:nvPr/>
-          </p:nvPicPr>
-          <p:blipFill>
-            <a:blip r:embed="rId3">
-              <a:extLst/>
-            </a:blip>
-            <a:stretch>
-              <a:fillRect/>
-            </a:stretch>
-          </p:blipFill>
-          <p:spPr>
-            <a:xfrm>
-              <a:off x="9068720" y="1444927"/>
-              <a:ext cx="386298" cy="564576"/>
-            </a:xfrm>
-            <a:prstGeom prst="rect">
-              <a:avLst/>
-            </a:prstGeom>
-            <a:ln w="12700">
-              <a:miter lim="400000"/>
-            </a:ln>
-          </p:spPr>
-        </p:pic>
-        <p:sp>
-          <p:nvSpPr>
-            <p:cNvPr id="101" name="TextBox 100"/>
-            <p:cNvSpPr txBox="1"/>
-            <p:nvPr/>
-          </p:nvSpPr>
-          <p:spPr>
-            <a:xfrm>
-              <a:off x="7717510" y="1557972"/>
-              <a:ext cx="1040670" cy="246221"/>
-            </a:xfrm>
-            <a:prstGeom prst="rect">
-              <a:avLst/>
-            </a:prstGeom>
-            <a:noFill/>
-            <a:ln>
-              <a:noFill/>
-            </a:ln>
-          </p:spPr>
-          <p:txBody>
-            <a:bodyPr wrap="none" rtlCol="0">
-              <a:spAutoFit/>
-            </a:bodyPr>
-            <a:lstStyle/>
-            <a:p>
-              <a:r>
-                <a:rPr lang="zh-CN" altLang="en-US" sz="1000" b="1"/>
-                <a:t>发送消息</a:t>
-              </a:r>
-              <a:r>
-                <a:rPr lang="en-US" altLang="zh-CN" sz="1000" b="1"/>
-                <a:t>(0201)</a:t>
-              </a:r>
-              <a:endParaRPr lang="en-US" sz="1000" b="1"/>
-            </a:p>
-          </p:txBody>
-        </p:sp>
-        <p:cxnSp>
-          <p:nvCxnSpPr>
-            <p:cNvPr id="102" name="Straight Arrow Connector 101"/>
-            <p:cNvCxnSpPr/>
-            <p:nvPr/>
-          </p:nvCxnSpPr>
-          <p:spPr>
-            <a:xfrm>
-              <a:off x="7490761" y="1777048"/>
-              <a:ext cx="1478630" cy="0"/>
-            </a:xfrm>
-            <a:prstGeom prst="straightConnector1">
-              <a:avLst/>
-            </a:prstGeom>
-            <a:ln>
-              <a:tailEnd type="triangle"/>
-            </a:ln>
-          </p:spPr>
-          <p:style>
-            <a:lnRef idx="1">
-              <a:schemeClr val="accent1"/>
-            </a:lnRef>
-            <a:fillRef idx="0">
-              <a:schemeClr val="accent1"/>
-            </a:fillRef>
-            <a:effectRef idx="0">
-              <a:schemeClr val="accent1"/>
-            </a:effectRef>
-            <a:fontRef idx="minor">
-              <a:schemeClr val="tx1"/>
-            </a:fontRef>
-          </p:style>
-        </p:cxnSp>
-        <p:sp>
-          <p:nvSpPr>
-            <p:cNvPr id="106" name="TextBox 105"/>
-            <p:cNvSpPr txBox="1"/>
-            <p:nvPr/>
-          </p:nvSpPr>
-          <p:spPr>
-            <a:xfrm>
-              <a:off x="8818546" y="3566901"/>
-              <a:ext cx="697627" cy="246221"/>
-            </a:xfrm>
-            <a:prstGeom prst="rect">
-              <a:avLst/>
-            </a:prstGeom>
-            <a:noFill/>
-            <a:ln>
-              <a:noFill/>
-            </a:ln>
-          </p:spPr>
-          <p:txBody>
-            <a:bodyPr wrap="none" rtlCol="0">
-              <a:spAutoFit/>
-            </a:bodyPr>
-            <a:lstStyle/>
-            <a:p>
-              <a:r>
-                <a:rPr lang="zh-CN" altLang="en-US" sz="1000" b="1"/>
-                <a:t>推送消息</a:t>
-              </a:r>
-              <a:endParaRPr lang="en-US" sz="1000" b="1"/>
-            </a:p>
-          </p:txBody>
-        </p:sp>
-        <p:pic>
-          <p:nvPicPr>
-            <p:cNvPr id="108" name="image.png"/>
-            <p:cNvPicPr/>
-            <p:nvPr/>
-          </p:nvPicPr>
-          <p:blipFill>
-            <a:blip r:embed="rId3">
-              <a:extLst/>
-            </a:blip>
-            <a:stretch>
-              <a:fillRect/>
-            </a:stretch>
-          </p:blipFill>
-          <p:spPr>
-            <a:xfrm>
-              <a:off x="9100499" y="2661491"/>
-              <a:ext cx="386298" cy="564576"/>
-            </a:xfrm>
-            <a:prstGeom prst="rect">
-              <a:avLst/>
-            </a:prstGeom>
-            <a:ln w="12700">
-              <a:miter lim="400000"/>
-            </a:ln>
-          </p:spPr>
-        </p:pic>
-        <p:sp>
-          <p:nvSpPr>
-            <p:cNvPr id="109" name="TextBox 108"/>
-            <p:cNvSpPr txBox="1"/>
-            <p:nvPr/>
-          </p:nvSpPr>
-          <p:spPr>
-            <a:xfrm>
-              <a:off x="9320584" y="3133945"/>
-              <a:ext cx="697627" cy="246221"/>
-            </a:xfrm>
-            <a:prstGeom prst="rect">
-              <a:avLst/>
-            </a:prstGeom>
-            <a:noFill/>
-          </p:spPr>
-          <p:txBody>
-            <a:bodyPr wrap="none" rtlCol="0">
-              <a:spAutoFit/>
-            </a:bodyPr>
-            <a:lstStyle/>
-            <a:p>
-              <a:r>
-                <a:rPr lang="zh-CN" altLang="en-US" sz="1000" b="1"/>
-                <a:t>接入服务</a:t>
-              </a:r>
-              <a:endParaRPr lang="en-US" sz="1000" b="1"/>
-            </a:p>
-          </p:txBody>
-        </p:sp>
-        <p:sp>
-          <p:nvSpPr>
-            <p:cNvPr id="113" name="TextBox 112"/>
-            <p:cNvSpPr txBox="1"/>
-            <p:nvPr/>
-          </p:nvSpPr>
-          <p:spPr>
-            <a:xfrm>
-              <a:off x="9431104" y="1606237"/>
-              <a:ext cx="877163" cy="246221"/>
-            </a:xfrm>
-            <a:prstGeom prst="rect">
-              <a:avLst/>
-            </a:prstGeom>
-            <a:noFill/>
-          </p:spPr>
-          <p:txBody>
-            <a:bodyPr wrap="none" rtlCol="0">
-              <a:spAutoFit/>
-            </a:bodyPr>
-            <a:lstStyle/>
-            <a:p>
-              <a:r>
-                <a:rPr lang="zh-CN" altLang="en-US" sz="1000" b="1"/>
-                <a:t>推送</a:t>
-              </a:r>
-              <a:r>
-                <a:rPr lang="en-US" altLang="zh-CN" sz="1000" b="1"/>
-                <a:t>API</a:t>
-              </a:r>
-              <a:r>
-                <a:rPr lang="zh-CN" altLang="en-US" sz="1000" b="1"/>
-                <a:t>服务</a:t>
-              </a:r>
-              <a:endParaRPr lang="en-US" sz="1000" b="1"/>
-            </a:p>
-          </p:txBody>
-        </p:sp>
-        <p:pic>
-          <p:nvPicPr>
-            <p:cNvPr id="114" name="AliceRight.png"/>
-            <p:cNvPicPr/>
-            <p:nvPr/>
-          </p:nvPicPr>
-          <p:blipFill>
-            <a:blip r:embed="rId2">
-              <a:extLst/>
-            </a:blip>
-            <a:stretch>
-              <a:fillRect/>
-            </a:stretch>
-          </p:blipFill>
-          <p:spPr>
-            <a:xfrm>
-              <a:off x="9033490" y="4069908"/>
-              <a:ext cx="323057" cy="425613"/>
-            </a:xfrm>
-            <a:prstGeom prst="rect">
-              <a:avLst/>
-            </a:prstGeom>
-            <a:ln w="12700">
-              <a:miter lim="400000"/>
-            </a:ln>
-          </p:spPr>
-        </p:pic>
-        <p:sp>
-          <p:nvSpPr>
-            <p:cNvPr id="115" name="TextBox 114"/>
-            <p:cNvSpPr txBox="1"/>
-            <p:nvPr/>
-          </p:nvSpPr>
-          <p:spPr>
-            <a:xfrm>
-              <a:off x="8574398" y="4475307"/>
-              <a:ext cx="1104790" cy="400110"/>
-            </a:xfrm>
-            <a:prstGeom prst="rect">
-              <a:avLst/>
-            </a:prstGeom>
-            <a:noFill/>
-          </p:spPr>
-          <p:txBody>
-            <a:bodyPr wrap="none" rtlCol="0">
-              <a:spAutoFit/>
-            </a:bodyPr>
-            <a:lstStyle/>
-            <a:p>
-              <a:r>
-                <a:rPr lang="en-US" altLang="zh-CN" sz="1000" b="1"/>
-                <a:t>0101@yto.net.cn</a:t>
-              </a:r>
-            </a:p>
-            <a:p>
-              <a:pPr algn="ctr"/>
-              <a:r>
-                <a:rPr lang="en-US" sz="1000" b="1"/>
-                <a:t>- Android -</a:t>
-              </a:r>
-            </a:p>
-          </p:txBody>
-        </p:sp>
-        <p:pic>
-          <p:nvPicPr>
-            <p:cNvPr id="116" name="image.png"/>
-            <p:cNvPicPr/>
-            <p:nvPr/>
-          </p:nvPicPr>
-          <p:blipFill>
-            <a:blip r:embed="rId3">
-              <a:extLst/>
-            </a:blip>
-            <a:stretch>
-              <a:fillRect/>
-            </a:stretch>
-          </p:blipFill>
-          <p:spPr>
-            <a:xfrm>
-              <a:off x="10191384" y="2000219"/>
-              <a:ext cx="386298" cy="564576"/>
-            </a:xfrm>
-            <a:prstGeom prst="rect">
-              <a:avLst/>
-            </a:prstGeom>
-            <a:ln w="12700">
-              <a:miter lim="400000"/>
-            </a:ln>
-          </p:spPr>
-        </p:pic>
-        <p:sp>
-          <p:nvSpPr>
-            <p:cNvPr id="117" name="TextBox 116"/>
-            <p:cNvSpPr txBox="1"/>
-            <p:nvPr/>
-          </p:nvSpPr>
-          <p:spPr>
-            <a:xfrm>
-              <a:off x="10056598" y="2538380"/>
-              <a:ext cx="697627" cy="246221"/>
-            </a:xfrm>
-            <a:prstGeom prst="rect">
-              <a:avLst/>
-            </a:prstGeom>
-            <a:noFill/>
-          </p:spPr>
-          <p:txBody>
-            <a:bodyPr wrap="none" rtlCol="0">
-              <a:spAutoFit/>
-            </a:bodyPr>
-            <a:lstStyle/>
-            <a:p>
-              <a:r>
-                <a:rPr lang="zh-CN" altLang="en-US" sz="1000" b="1"/>
-                <a:t>交换服务</a:t>
-              </a:r>
-              <a:endParaRPr lang="en-US" sz="1000" b="1"/>
-            </a:p>
-          </p:txBody>
-        </p:sp>
-        <p:pic>
-          <p:nvPicPr>
-            <p:cNvPr id="118" name="image.png"/>
-            <p:cNvPicPr/>
-            <p:nvPr/>
-          </p:nvPicPr>
-          <p:blipFill>
-            <a:blip r:embed="rId4">
-              <a:extLst/>
-            </a:blip>
-            <a:stretch>
-              <a:fillRect/>
-            </a:stretch>
-          </p:blipFill>
-          <p:spPr>
-            <a:xfrm>
-              <a:off x="8345638" y="1930246"/>
-              <a:ext cx="212411" cy="83444"/>
-            </a:xfrm>
-            <a:prstGeom prst="rect">
-              <a:avLst/>
-            </a:prstGeom>
-            <a:ln w="12700">
-              <a:miter lim="400000"/>
-            </a:ln>
-          </p:spPr>
-        </p:pic>
-        <p:cxnSp>
-          <p:nvCxnSpPr>
-            <p:cNvPr id="119" name="Straight Arrow Connector 118"/>
-            <p:cNvCxnSpPr/>
-            <p:nvPr/>
-          </p:nvCxnSpPr>
-          <p:spPr>
-            <a:xfrm flipV="1">
-              <a:off x="7532077" y="1959292"/>
-              <a:ext cx="1501413" cy="771176"/>
-            </a:xfrm>
-            <a:prstGeom prst="straightConnector1">
-              <a:avLst/>
-            </a:prstGeom>
-            <a:ln>
-              <a:tailEnd type="triangle"/>
-            </a:ln>
-          </p:spPr>
-          <p:style>
-            <a:lnRef idx="1">
-              <a:schemeClr val="accent1"/>
-            </a:lnRef>
-            <a:fillRef idx="0">
-              <a:schemeClr val="accent1"/>
-            </a:fillRef>
-            <a:effectRef idx="0">
-              <a:schemeClr val="accent1"/>
-            </a:effectRef>
-            <a:fontRef idx="minor">
-              <a:schemeClr val="tx1"/>
-            </a:fontRef>
-          </p:style>
-        </p:cxnSp>
-        <p:cxnSp>
-          <p:nvCxnSpPr>
-            <p:cNvPr id="127" name="Straight Connector 126"/>
-            <p:cNvCxnSpPr>
-              <a:stCxn id="116" idx="1"/>
-              <a:endCxn id="108" idx="3"/>
-            </p:cNvCxnSpPr>
-            <p:nvPr/>
-          </p:nvCxnSpPr>
-          <p:spPr>
-            <a:xfrm flipH="1">
-              <a:off x="9486797" y="2282507"/>
-              <a:ext cx="704587" cy="661272"/>
-            </a:xfrm>
-            <a:prstGeom prst="line">
-              <a:avLst/>
-            </a:prstGeom>
-            <a:ln>
-              <a:tailEnd type="triangle"/>
-            </a:ln>
-          </p:spPr>
-          <p:style>
-            <a:lnRef idx="1">
-              <a:schemeClr val="accent1"/>
-            </a:lnRef>
-            <a:fillRef idx="0">
-              <a:schemeClr val="accent1"/>
-            </a:fillRef>
-            <a:effectRef idx="0">
-              <a:schemeClr val="accent1"/>
-            </a:effectRef>
-            <a:fontRef idx="minor">
-              <a:schemeClr val="tx1"/>
-            </a:fontRef>
-          </p:style>
-        </p:cxnSp>
-        <p:cxnSp>
-          <p:nvCxnSpPr>
-            <p:cNvPr id="130" name="Straight Connector 129"/>
-            <p:cNvCxnSpPr>
-              <a:stCxn id="99" idx="3"/>
-              <a:endCxn id="116" idx="1"/>
-            </p:cNvCxnSpPr>
-            <p:nvPr/>
-          </p:nvCxnSpPr>
-          <p:spPr>
-            <a:xfrm>
-              <a:off x="9455018" y="1727215"/>
-              <a:ext cx="736366" cy="555292"/>
-            </a:xfrm>
-            <a:prstGeom prst="line">
-              <a:avLst/>
-            </a:prstGeom>
-            <a:ln>
-              <a:headEnd type="none"/>
-              <a:tailEnd type="triangle"/>
-            </a:ln>
-          </p:spPr>
-          <p:style>
-            <a:lnRef idx="1">
-              <a:schemeClr val="accent1"/>
-            </a:lnRef>
-            <a:fillRef idx="0">
-              <a:schemeClr val="accent1"/>
-            </a:fillRef>
-            <a:effectRef idx="0">
-              <a:schemeClr val="accent1"/>
-            </a:effectRef>
-            <a:fontRef idx="minor">
-              <a:schemeClr val="tx1"/>
-            </a:fontRef>
-          </p:style>
-        </p:cxnSp>
-        <p:cxnSp>
-          <p:nvCxnSpPr>
-            <p:cNvPr id="136" name="Straight Arrow Connector 135"/>
-            <p:cNvCxnSpPr/>
-            <p:nvPr/>
-          </p:nvCxnSpPr>
-          <p:spPr>
-            <a:xfrm flipH="1">
-              <a:off x="9165043" y="3231286"/>
-              <a:ext cx="1" cy="778544"/>
-            </a:xfrm>
-            <a:prstGeom prst="straightConnector1">
-              <a:avLst/>
-            </a:prstGeom>
-            <a:ln>
-              <a:tailEnd type="triangle"/>
-            </a:ln>
-          </p:spPr>
-          <p:style>
-            <a:lnRef idx="1">
-              <a:schemeClr val="accent1"/>
-            </a:lnRef>
-            <a:fillRef idx="0">
-              <a:schemeClr val="accent1"/>
-            </a:fillRef>
-            <a:effectRef idx="0">
-              <a:schemeClr val="accent1"/>
-            </a:effectRef>
-            <a:fontRef idx="minor">
-              <a:schemeClr val="tx1"/>
-            </a:fontRef>
-          </p:style>
-        </p:cxnSp>
-        <p:pic>
-          <p:nvPicPr>
-            <p:cNvPr id="144" name="image.png"/>
-            <p:cNvPicPr/>
-            <p:nvPr/>
-          </p:nvPicPr>
-          <p:blipFill>
-            <a:blip r:embed="rId3">
-              <a:extLst/>
-            </a:blip>
-            <a:stretch>
-              <a:fillRect/>
-            </a:stretch>
-          </p:blipFill>
-          <p:spPr>
-            <a:xfrm>
-              <a:off x="8776242" y="2630787"/>
-              <a:ext cx="386298" cy="564576"/>
-            </a:xfrm>
-            <a:prstGeom prst="rect">
-              <a:avLst/>
-            </a:prstGeom>
-            <a:ln w="12700">
-              <a:miter lim="400000"/>
-            </a:ln>
-          </p:spPr>
-        </p:pic>
-        <p:cxnSp>
-          <p:nvCxnSpPr>
-            <p:cNvPr id="145" name="Straight Arrow Connector 144"/>
-            <p:cNvCxnSpPr>
-              <a:stCxn id="144" idx="1"/>
-            </p:cNvCxnSpPr>
-            <p:nvPr/>
-          </p:nvCxnSpPr>
-          <p:spPr>
-            <a:xfrm flipH="1" flipV="1">
-              <a:off x="7558608" y="2912711"/>
-              <a:ext cx="1217634" cy="364"/>
-            </a:xfrm>
-            <a:prstGeom prst="straightConnector1">
-              <a:avLst/>
-            </a:prstGeom>
-            <a:ln>
-              <a:tailEnd type="triangle"/>
-            </a:ln>
-          </p:spPr>
-          <p:style>
-            <a:lnRef idx="1">
-              <a:schemeClr val="accent1"/>
-            </a:lnRef>
-            <a:fillRef idx="0">
-              <a:schemeClr val="accent1"/>
-            </a:fillRef>
-            <a:effectRef idx="0">
-              <a:schemeClr val="accent1"/>
-            </a:effectRef>
-            <a:fontRef idx="minor">
-              <a:schemeClr val="tx1"/>
-            </a:fontRef>
-          </p:style>
-        </p:cxnSp>
-        <p:sp>
-          <p:nvSpPr>
-            <p:cNvPr id="148" name="TextBox 147"/>
-            <p:cNvSpPr txBox="1"/>
-            <p:nvPr/>
-          </p:nvSpPr>
-          <p:spPr>
-            <a:xfrm>
-              <a:off x="7730168" y="2203571"/>
-              <a:ext cx="1040670" cy="246221"/>
-            </a:xfrm>
-            <a:prstGeom prst="rect">
-              <a:avLst/>
-            </a:prstGeom>
-            <a:noFill/>
-            <a:ln>
-              <a:noFill/>
-            </a:ln>
-          </p:spPr>
-          <p:txBody>
-            <a:bodyPr wrap="none" rtlCol="0">
-              <a:spAutoFit/>
-            </a:bodyPr>
-            <a:lstStyle/>
-            <a:p>
-              <a:r>
-                <a:rPr lang="zh-CN" altLang="en-US" sz="1000" b="1"/>
-                <a:t>发送消息</a:t>
-              </a:r>
-              <a:r>
-                <a:rPr lang="en-US" altLang="zh-CN" sz="1000" b="1"/>
-                <a:t>(0101)</a:t>
-              </a:r>
-              <a:endParaRPr lang="en-US" sz="1000" b="1"/>
-            </a:p>
-          </p:txBody>
-        </p:sp>
-        <p:sp>
-          <p:nvSpPr>
-            <p:cNvPr id="149" name="TextBox 148"/>
-            <p:cNvSpPr txBox="1"/>
-            <p:nvPr/>
-          </p:nvSpPr>
-          <p:spPr>
-            <a:xfrm>
-              <a:off x="7967660" y="2697558"/>
-              <a:ext cx="697627" cy="246221"/>
-            </a:xfrm>
-            <a:prstGeom prst="rect">
-              <a:avLst/>
-            </a:prstGeom>
-            <a:noFill/>
-            <a:ln>
-              <a:noFill/>
-            </a:ln>
-          </p:spPr>
-          <p:txBody>
-            <a:bodyPr wrap="none" rtlCol="0">
-              <a:spAutoFit/>
-            </a:bodyPr>
-            <a:lstStyle/>
-            <a:p>
-              <a:r>
-                <a:rPr lang="zh-CN" altLang="en-US" sz="1000" b="1"/>
-                <a:t>推送消息</a:t>
-              </a:r>
-              <a:endParaRPr lang="en-US" sz="1000" b="1"/>
+              <a:endParaRPr lang="zh-CN" altLang="en-US" sz="1600" b="1" u="sng">
+                <a:latin typeface="+mn-ea"/>
+                <a:cs typeface="Al Bayan Plain" charset="-78"/>
+              </a:endParaRPr>
             </a:p>
           </p:txBody>
         </p:sp>
       </p:grpSp>
-      <p:sp>
-        <p:nvSpPr>
-          <p:cNvPr id="151" name="Rounded Rectangle 150"/>
-          <p:cNvSpPr/>
-          <p:nvPr/>
-        </p:nvSpPr>
-        <p:spPr>
-          <a:xfrm>
-            <a:off x="4040746" y="1542179"/>
-            <a:ext cx="1673751" cy="2407665"/>
-          </a:xfrm>
-          <a:prstGeom prst="roundRect">
-            <a:avLst>
-              <a:gd name="adj" fmla="val 782"/>
-            </a:avLst>
-          </a:prstGeom>
-          <a:noFill/>
-        </p:spPr>
-        <p:style>
-          <a:lnRef idx="2">
-            <a:schemeClr val="accent1">
-              <a:shade val="50000"/>
-            </a:schemeClr>
-          </a:lnRef>
-          <a:fillRef idx="1">
-            <a:schemeClr val="accent1"/>
-          </a:fillRef>
-          <a:effectRef idx="0">
-            <a:schemeClr val="accent1"/>
-          </a:effectRef>
-          <a:fontRef idx="minor">
-            <a:schemeClr val="lt1"/>
-          </a:fontRef>
-        </p:style>
-        <p:txBody>
-          <a:bodyPr rtlCol="0" anchor="ctr"/>
-          <a:lstStyle/>
-          <a:p>
-            <a:pPr algn="ctr"/>
-            <a:endParaRPr lang="en-US"/>
-          </a:p>
-        </p:txBody>
-      </p:sp>
-      <p:sp>
-        <p:nvSpPr>
-          <p:cNvPr id="54" name="TextBox 53"/>
-          <p:cNvSpPr txBox="1"/>
-          <p:nvPr/>
-        </p:nvSpPr>
-        <p:spPr>
-          <a:xfrm>
-            <a:off x="6575306" y="4731345"/>
-            <a:ext cx="5396117" cy="1754326"/>
-          </a:xfrm>
-          <a:prstGeom prst="rect">
-            <a:avLst/>
-          </a:prstGeom>
-          <a:noFill/>
-          <a:ln>
-            <a:noFill/>
-          </a:ln>
-        </p:spPr>
-        <p:txBody>
-          <a:bodyPr wrap="square" rtlCol="0">
-            <a:spAutoFit/>
-          </a:bodyPr>
-          <a:lstStyle/>
-          <a:p>
-            <a:r>
-              <a:rPr lang="zh-CN" altLang="en-US" sz="1200" b="1"/>
-              <a:t> 消息的发送者和接收者可以是用户业务系统中具有系统唯一标识的对象，可以是业务用户或者系统服务模块。一旦获得推送系统分配的令牌之后，便可以向系统内任意用户</a:t>
-            </a:r>
-            <a:r>
-              <a:rPr lang="en-US" altLang="zh-CN" sz="1200" b="1"/>
-              <a:t>id</a:t>
-            </a:r>
-            <a:r>
-              <a:rPr lang="zh-CN" altLang="en-US" sz="1200" b="1"/>
-              <a:t>发送消息，而且消息发送的主动性被授予给了业务系统的前端，也就是说，一旦用户登陆成功获得令牌之后，发送消息的操作将直接与</a:t>
-            </a:r>
-            <a:r>
-              <a:rPr lang="en-US" altLang="zh-CN" sz="1200" b="1"/>
-              <a:t>koala</a:t>
-            </a:r>
-            <a:r>
-              <a:rPr lang="zh-CN" altLang="en-US" sz="1200" b="1"/>
-              <a:t>系统发送，而无需自己的业务服务器参与，这种方式有利有弊。  </a:t>
-            </a:r>
-            <a:r>
-              <a:rPr lang="en-US" altLang="zh-CN" sz="1200" b="1"/>
-              <a:t>koala</a:t>
-            </a:r>
-            <a:r>
-              <a:rPr lang="zh-CN" altLang="en-US" sz="1200" b="1"/>
-              <a:t>不识别用户</a:t>
-            </a:r>
-            <a:r>
-              <a:rPr lang="en-US" altLang="zh-CN" sz="1200" b="1"/>
-              <a:t>id</a:t>
-            </a:r>
-            <a:r>
-              <a:rPr lang="zh-CN" altLang="en-US" sz="1200" b="1"/>
-              <a:t>的正确性和完整性，业务端可以任意构造消息推送的目的用户</a:t>
-            </a:r>
-            <a:r>
-              <a:rPr lang="en-US" altLang="zh-CN" sz="1200" b="1"/>
-              <a:t>id</a:t>
-            </a:r>
-            <a:r>
-              <a:rPr lang="zh-CN" altLang="en-US" sz="1200" b="1"/>
-              <a:t>，为防止恶意消息发送，业务服务器应对用户</a:t>
-            </a:r>
-            <a:r>
-              <a:rPr lang="en-US" altLang="zh-CN" sz="1200" b="1"/>
-              <a:t>id</a:t>
-            </a:r>
-            <a:r>
-              <a:rPr lang="zh-CN" altLang="en-US" sz="1200" b="1"/>
-              <a:t>进行加密，防止前端用户无法自己构造消息接收者的用户</a:t>
-            </a:r>
-            <a:r>
-              <a:rPr lang="en-US" altLang="zh-CN" sz="1200" b="1"/>
-              <a:t>id</a:t>
-            </a:r>
-            <a:r>
-              <a:rPr lang="zh-CN" altLang="en-US" sz="1200" b="1"/>
-              <a:t>。</a:t>
-            </a:r>
-          </a:p>
-          <a:p>
-            <a:endParaRPr lang="zh-CN" altLang="en-US" sz="1200" b="1"/>
-          </a:p>
-        </p:txBody>
-      </p:sp>
-      <p:sp>
-        <p:nvSpPr>
-          <p:cNvPr id="56" name="TextBox 55"/>
-          <p:cNvSpPr txBox="1"/>
-          <p:nvPr/>
-        </p:nvSpPr>
-        <p:spPr>
-          <a:xfrm>
-            <a:off x="4763076" y="1513140"/>
-            <a:ext cx="1001510" cy="276999"/>
-          </a:xfrm>
-          <a:prstGeom prst="rect">
-            <a:avLst/>
-          </a:prstGeom>
-          <a:noFill/>
-        </p:spPr>
-        <p:txBody>
-          <a:bodyPr wrap="square" rtlCol="0">
-            <a:spAutoFit/>
-          </a:bodyPr>
-          <a:lstStyle/>
-          <a:p>
-            <a:pPr algn="ctr"/>
-            <a:r>
-              <a:rPr lang="en-US" altLang="zh-CN" sz="1200" b="1" u="sng">
-                <a:latin typeface="+mn-ea"/>
-                <a:cs typeface="Al Bayan Plain" charset="-78"/>
-              </a:rPr>
-              <a:t>koala</a:t>
-            </a:r>
-            <a:endParaRPr lang="zh-CN" altLang="en-US" sz="1200" b="1" u="sng">
-              <a:latin typeface="+mn-ea"/>
-              <a:cs typeface="Al Bayan Plain" charset="-78"/>
-            </a:endParaRPr>
-          </a:p>
-        </p:txBody>
-      </p:sp>
-      <p:sp>
-        <p:nvSpPr>
-          <p:cNvPr id="57" name="TextBox 56"/>
-          <p:cNvSpPr txBox="1"/>
-          <p:nvPr/>
-        </p:nvSpPr>
-        <p:spPr>
-          <a:xfrm>
-            <a:off x="10445736" y="918923"/>
-            <a:ext cx="1001510" cy="276999"/>
-          </a:xfrm>
-          <a:prstGeom prst="rect">
-            <a:avLst/>
-          </a:prstGeom>
-          <a:noFill/>
-        </p:spPr>
-        <p:txBody>
-          <a:bodyPr wrap="square" rtlCol="0">
-            <a:spAutoFit/>
-          </a:bodyPr>
-          <a:lstStyle/>
-          <a:p>
-            <a:pPr algn="ctr"/>
-            <a:r>
-              <a:rPr lang="en-US" altLang="zh-CN" sz="1200" b="1" u="sng">
-                <a:latin typeface="+mn-ea"/>
-                <a:cs typeface="Al Bayan Plain" charset="-78"/>
-              </a:rPr>
-              <a:t>koala</a:t>
-            </a:r>
-            <a:endParaRPr lang="zh-CN" altLang="en-US" sz="1200" b="1" u="sng">
-              <a:latin typeface="+mn-ea"/>
-              <a:cs typeface="Al Bayan Plain" charset="-78"/>
-            </a:endParaRPr>
-          </a:p>
-        </p:txBody>
-      </p:sp>
     </p:spTree>
     <p:extLst>
       <p:ext uri="{BB962C8B-B14F-4D97-AF65-F5344CB8AC3E}">
@@ -5788,90 +5210,1094 @@
   <p:timing>
     <p:tnLst>
       <p:par>
-        <p:cTn id="1" dur="indefinite" restart="never" nodeType="tmRoot">
-          <p:childTnLst>
-            <p:seq concurrent="1" nextAc="seek">
-              <p:cTn id="2" dur="indefinite" nodeType="mainSeq">
-                <p:childTnLst>
-                  <p:par>
-                    <p:cTn id="3" fill="hold">
-                      <p:stCondLst>
-                        <p:cond delay="indefinite"/>
-                        <p:cond evt="onBegin" delay="0">
-                          <p:tn val="2"/>
-                        </p:cond>
-                      </p:stCondLst>
-                      <p:childTnLst>
-                        <p:par>
-                          <p:cTn id="4" fill="hold">
-                            <p:stCondLst>
-                              <p:cond delay="0"/>
-                            </p:stCondLst>
-                            <p:childTnLst>
-                              <p:par>
-                                <p:cTn id="5" presetID="10" presetClass="entr" presetSubtype="0" fill="hold" grpId="0" nodeType="afterEffect">
-                                  <p:stCondLst>
-                                    <p:cond delay="1000"/>
-                                  </p:stCondLst>
-                                  <p:iterate>
-                                    <p:tmAbs val="0"/>
-                                  </p:iterate>
-                                  <p:childTnLst>
-                                    <p:set>
-                                      <p:cBhvr>
-                                        <p:cTn id="6" fill="hold"/>
-                                        <p:tgtEl>
-                                          <p:spTgt spid="85"/>
-                                        </p:tgtEl>
-                                        <p:attrNameLst>
-                                          <p:attrName>style.visibility</p:attrName>
-                                        </p:attrNameLst>
-                                      </p:cBhvr>
-                                      <p:to>
-                                        <p:strVal val="visible"/>
-                                      </p:to>
-                                    </p:set>
-                                    <p:animEffect transition="in" filter="fade">
-                                      <p:cBhvr>
-                                        <p:cTn id="7" dur="500"/>
-                                        <p:tgtEl>
-                                          <p:spTgt spid="85"/>
-                                        </p:tgtEl>
-                                      </p:cBhvr>
-                                    </p:animEffect>
-                                  </p:childTnLst>
-                                </p:cTn>
-                              </p:par>
-                            </p:childTnLst>
-                          </p:cTn>
-                        </p:par>
-                      </p:childTnLst>
-                    </p:cTn>
-                  </p:par>
-                </p:childTnLst>
-              </p:cTn>
-              <p:prevCondLst>
-                <p:cond evt="onPrev" delay="0">
-                  <p:tgtEl>
-                    <p:sldTgt/>
-                  </p:tgtEl>
-                </p:cond>
-              </p:prevCondLst>
-              <p:nextCondLst>
-                <p:cond evt="onNext" delay="0">
-                  <p:tgtEl>
-                    <p:sldTgt/>
-                  </p:tgtEl>
-                </p:cond>
-              </p:nextCondLst>
-            </p:seq>
-          </p:childTnLst>
-        </p:cTn>
+        <p:cTn id="1" dur="indefinite" restart="never" nodeType="tmRoot"/>
       </p:par>
     </p:tnLst>
-    <p:bldLst>
-      <p:bldP spid="85" grpId="0" animBg="1" advAuto="0"/>
-    </p:bldLst>
+  </p:timing>
+</p:sld>
+</file>
+
+<file path=ppt/slides/slide4.xml><?xml version="1.0" encoding="utf-8"?>
+<p:sld xmlns:a="http://schemas.openxmlformats.org/drawingml/2006/main" xmlns:r="http://schemas.openxmlformats.org/officeDocument/2006/relationships" xmlns:p="http://schemas.openxmlformats.org/presentationml/2006/main">
+  <p:cSld>
+    <p:spTree>
+      <p:nvGrpSpPr>
+        <p:cNvPr id="1" name=""/>
+        <p:cNvGrpSpPr/>
+        <p:nvPr/>
+      </p:nvGrpSpPr>
+      <p:grpSpPr>
+        <a:xfrm>
+          <a:off x="0" y="0"/>
+          <a:ext cx="0" cy="0"/>
+          <a:chOff x="0" y="0"/>
+          <a:chExt cx="0" cy="0"/>
+        </a:xfrm>
+      </p:grpSpPr>
+      <p:sp>
+        <p:nvSpPr>
+          <p:cNvPr id="4" name="TextBox 3"/>
+          <p:cNvSpPr txBox="1"/>
+          <p:nvPr/>
+        </p:nvSpPr>
+        <p:spPr>
+          <a:xfrm>
+            <a:off x="553861" y="342253"/>
+            <a:ext cx="6456785" cy="584775"/>
+          </a:xfrm>
+          <a:prstGeom prst="rect">
+            <a:avLst/>
+          </a:prstGeom>
+          <a:noFill/>
+        </p:spPr>
+        <p:txBody>
+          <a:bodyPr wrap="square" rtlCol="0">
+            <a:spAutoFit/>
+          </a:bodyPr>
+          <a:lstStyle>
+            <a:defPPr>
+              <a:defRPr lang="en-US"/>
+            </a:defPPr>
+            <a:lvl1pPr>
+              <a:defRPr sz="3200" b="1" u="sng"/>
+            </a:lvl1pPr>
+          </a:lstStyle>
+          <a:p>
+            <a:r>
+              <a:rPr lang="zh-CN" altLang="en-US"/>
+              <a:t>消息推送服务系统 </a:t>
+            </a:r>
+            <a:r>
+              <a:rPr lang="en-US" altLang="zh-CN"/>
+              <a:t>–</a:t>
+            </a:r>
+            <a:r>
+              <a:rPr lang="zh-CN" altLang="en-US"/>
+              <a:t> 应用视图</a:t>
+            </a:r>
+          </a:p>
+        </p:txBody>
+      </p:sp>
+      <p:sp>
+        <p:nvSpPr>
+          <p:cNvPr id="54" name="TextBox 53"/>
+          <p:cNvSpPr txBox="1"/>
+          <p:nvPr/>
+        </p:nvSpPr>
+        <p:spPr>
+          <a:xfrm>
+            <a:off x="522711" y="1933896"/>
+            <a:ext cx="5391012" cy="2800767"/>
+          </a:xfrm>
+          <a:prstGeom prst="rect">
+            <a:avLst/>
+          </a:prstGeom>
+          <a:noFill/>
+          <a:ln>
+            <a:noFill/>
+          </a:ln>
+        </p:spPr>
+        <p:txBody>
+          <a:bodyPr wrap="square" rtlCol="0">
+            <a:spAutoFit/>
+          </a:bodyPr>
+          <a:lstStyle/>
+          <a:p>
+            <a:pPr marL="342900" indent="-342900">
+              <a:buFont typeface="Wingdings" charset="2"/>
+              <a:buChar char="§"/>
+            </a:pPr>
+            <a:r>
+              <a:rPr lang="zh-CN" altLang="en-US" sz="1600"/>
+              <a:t>消息的发送者和接收者可以是用户业务系统中具有系统</a:t>
+            </a:r>
+            <a:r>
+              <a:rPr lang="zh-CN" altLang="en-US" sz="1600" b="1">
+                <a:solidFill>
+                  <a:srgbClr val="FF0000"/>
+                </a:solidFill>
+              </a:rPr>
+              <a:t>唯一标识</a:t>
+            </a:r>
+            <a:r>
+              <a:rPr lang="zh-CN" altLang="en-US" sz="1600"/>
+              <a:t>的对象，可以是业务用户或者系统服务模块。</a:t>
+            </a:r>
+          </a:p>
+          <a:p>
+            <a:pPr marL="342900" indent="-342900">
+              <a:buFont typeface="Wingdings" charset="2"/>
+              <a:buChar char="§"/>
+            </a:pPr>
+            <a:r>
+              <a:rPr lang="zh-CN" altLang="en-US" sz="1600"/>
+              <a:t>用户一旦获得推送系统分配的访问令牌之后，便可以向系统内任意用户 </a:t>
+            </a:r>
+            <a:r>
+              <a:rPr lang="en-US" altLang="zh-CN" sz="1600"/>
+              <a:t>id</a:t>
+            </a:r>
+            <a:r>
+              <a:rPr lang="zh-CN" altLang="en-US" sz="1600"/>
+              <a:t> 发送消息。用户登陆成功获得令牌之后，业务前端系统将直接通过</a:t>
+            </a:r>
+            <a:r>
+              <a:rPr lang="en-US" altLang="zh-CN" sz="1600"/>
+              <a:t>koala</a:t>
+            </a:r>
+            <a:r>
+              <a:rPr lang="zh-CN" altLang="en-US" sz="1600"/>
+              <a:t>系统进行消息的发送和接收，而无需自己的业务服务器参与。</a:t>
+            </a:r>
+          </a:p>
+          <a:p>
+            <a:pPr marL="342900" indent="-342900">
+              <a:buFont typeface="Wingdings" charset="2"/>
+              <a:buChar char="§"/>
+            </a:pPr>
+            <a:r>
+              <a:rPr lang="en-US" altLang="zh-CN" sz="1600"/>
+              <a:t>Koala</a:t>
+            </a:r>
+            <a:r>
+              <a:rPr lang="zh-CN" altLang="en-US" sz="1600"/>
+              <a:t>不识别用户</a:t>
+            </a:r>
+            <a:r>
+              <a:rPr lang="en-US" altLang="zh-CN" sz="1600"/>
+              <a:t>id</a:t>
+            </a:r>
+            <a:r>
+              <a:rPr lang="zh-CN" altLang="en-US" sz="1600"/>
+              <a:t>的正确性和</a:t>
+            </a:r>
+            <a:r>
+              <a:rPr lang="zh-CN" altLang="en-US" sz="1600">
+                <a:latin typeface="Helvetica" charset="0"/>
+                <a:ea typeface="Helvetica" charset="0"/>
+                <a:cs typeface="Helvetica" charset="0"/>
+              </a:rPr>
+              <a:t>完整性</a:t>
+            </a:r>
+            <a:r>
+              <a:rPr lang="zh-CN" altLang="en-US" sz="1600"/>
+              <a:t>，业务系统必须对目标用户</a:t>
+            </a:r>
+            <a:r>
+              <a:rPr lang="en-US" altLang="zh-CN" sz="1600"/>
+              <a:t>id</a:t>
+            </a:r>
+            <a:r>
+              <a:rPr lang="zh-CN" altLang="en-US" sz="1600"/>
+              <a:t>进行混淆编码，防止消息发送端自行构造目标用户</a:t>
+            </a:r>
+            <a:r>
+              <a:rPr lang="en-US" altLang="zh-CN" sz="1600"/>
+              <a:t>id</a:t>
+            </a:r>
+            <a:r>
+              <a:rPr lang="zh-CN" altLang="en-US" sz="1600"/>
+              <a:t>。</a:t>
+            </a:r>
+          </a:p>
+          <a:p>
+            <a:pPr marL="342900" indent="-342900">
+              <a:buFont typeface="Wingdings" charset="2"/>
+              <a:buChar char="§"/>
+            </a:pPr>
+            <a:endParaRPr lang="zh-CN" altLang="en-US" sz="1600"/>
+          </a:p>
+        </p:txBody>
+      </p:sp>
+      <p:grpSp>
+        <p:nvGrpSpPr>
+          <p:cNvPr id="2" name="Group 1"/>
+          <p:cNvGrpSpPr/>
+          <p:nvPr/>
+        </p:nvGrpSpPr>
+        <p:grpSpPr>
+          <a:xfrm>
+            <a:off x="6464455" y="1755680"/>
+            <a:ext cx="5040780" cy="4166432"/>
+            <a:chOff x="6869569" y="903279"/>
+            <a:chExt cx="4577677" cy="3603639"/>
+          </a:xfrm>
+        </p:grpSpPr>
+        <p:grpSp>
+          <p:nvGrpSpPr>
+            <p:cNvPr id="3" name="Group 2"/>
+            <p:cNvGrpSpPr/>
+            <p:nvPr/>
+          </p:nvGrpSpPr>
+          <p:grpSpPr>
+            <a:xfrm>
+              <a:off x="6869569" y="903279"/>
+              <a:ext cx="4455843" cy="3603639"/>
+              <a:chOff x="6476218" y="1271778"/>
+              <a:chExt cx="4455843" cy="3603639"/>
+            </a:xfrm>
+          </p:grpSpPr>
+          <p:sp>
+            <p:nvSpPr>
+              <p:cNvPr id="150" name="Rounded Rectangle 149"/>
+              <p:cNvSpPr/>
+              <p:nvPr/>
+            </p:nvSpPr>
+            <p:spPr>
+              <a:xfrm>
+                <a:off x="8316473" y="1271778"/>
+                <a:ext cx="2615588" cy="2092424"/>
+              </a:xfrm>
+              <a:prstGeom prst="roundRect">
+                <a:avLst>
+                  <a:gd name="adj" fmla="val 782"/>
+                </a:avLst>
+              </a:prstGeom>
+              <a:noFill/>
+            </p:spPr>
+            <p:style>
+              <a:lnRef idx="2">
+                <a:schemeClr val="accent1">
+                  <a:shade val="50000"/>
+                </a:schemeClr>
+              </a:lnRef>
+              <a:fillRef idx="1">
+                <a:schemeClr val="accent1"/>
+              </a:fillRef>
+              <a:effectRef idx="0">
+                <a:schemeClr val="accent1"/>
+              </a:effectRef>
+              <a:fontRef idx="minor">
+                <a:schemeClr val="lt1"/>
+              </a:fontRef>
+            </p:style>
+            <p:txBody>
+              <a:bodyPr rtlCol="0" anchor="ctr"/>
+              <a:lstStyle/>
+              <a:p>
+                <a:pPr algn="ctr"/>
+                <a:endParaRPr lang="en-US"/>
+              </a:p>
+            </p:txBody>
+          </p:sp>
+          <p:pic>
+            <p:nvPicPr>
+              <p:cNvPr id="93" name="AliceRight.png"/>
+              <p:cNvPicPr/>
+              <p:nvPr/>
+            </p:nvPicPr>
+            <p:blipFill>
+              <a:blip r:embed="rId2">
+                <a:extLst/>
+              </a:blip>
+              <a:stretch>
+                <a:fillRect/>
+              </a:stretch>
+            </p:blipFill>
+            <p:spPr>
+              <a:xfrm>
+                <a:off x="6954579" y="2646640"/>
+                <a:ext cx="391776" cy="425613"/>
+              </a:xfrm>
+              <a:prstGeom prst="rect">
+                <a:avLst/>
+              </a:prstGeom>
+              <a:ln w="12700">
+                <a:miter lim="400000"/>
+              </a:ln>
+            </p:spPr>
+          </p:pic>
+          <p:pic>
+            <p:nvPicPr>
+              <p:cNvPr id="94" name="image.png"/>
+              <p:cNvPicPr/>
+              <p:nvPr/>
+            </p:nvPicPr>
+            <p:blipFill>
+              <a:blip r:embed="rId3">
+                <a:extLst/>
+              </a:blip>
+              <a:stretch>
+                <a:fillRect/>
+              </a:stretch>
+            </p:blipFill>
+            <p:spPr>
+              <a:xfrm>
+                <a:off x="6959858" y="1365670"/>
+                <a:ext cx="386298" cy="564576"/>
+              </a:xfrm>
+              <a:prstGeom prst="rect">
+                <a:avLst/>
+              </a:prstGeom>
+              <a:ln w="12700">
+                <a:miter lim="400000"/>
+              </a:ln>
+            </p:spPr>
+          </p:pic>
+          <p:sp>
+            <p:nvSpPr>
+              <p:cNvPr id="95" name="TextBox 94"/>
+              <p:cNvSpPr txBox="1"/>
+              <p:nvPr/>
+            </p:nvSpPr>
+            <p:spPr>
+              <a:xfrm>
+                <a:off x="6673132" y="1892346"/>
+                <a:ext cx="825867" cy="246221"/>
+              </a:xfrm>
+              <a:prstGeom prst="rect">
+                <a:avLst/>
+              </a:prstGeom>
+              <a:noFill/>
+            </p:spPr>
+            <p:txBody>
+              <a:bodyPr wrap="none" rtlCol="0">
+                <a:spAutoFit/>
+              </a:bodyPr>
+              <a:lstStyle/>
+              <a:p>
+                <a:r>
+                  <a:rPr lang="zh-CN" altLang="en-US" sz="1000" b="1"/>
+                  <a:t>应用服务器</a:t>
+                </a:r>
+                <a:endParaRPr lang="en-US" sz="1000" b="1"/>
+              </a:p>
+            </p:txBody>
+          </p:sp>
+          <p:sp>
+            <p:nvSpPr>
+              <p:cNvPr id="96" name="TextBox 95"/>
+              <p:cNvSpPr txBox="1"/>
+              <p:nvPr/>
+            </p:nvSpPr>
+            <p:spPr>
+              <a:xfrm>
+                <a:off x="6476218" y="3056894"/>
+                <a:ext cx="1104790" cy="400110"/>
+              </a:xfrm>
+              <a:prstGeom prst="rect">
+                <a:avLst/>
+              </a:prstGeom>
+              <a:noFill/>
+            </p:spPr>
+            <p:txBody>
+              <a:bodyPr wrap="none" rtlCol="0">
+                <a:spAutoFit/>
+              </a:bodyPr>
+              <a:lstStyle/>
+              <a:p>
+                <a:r>
+                  <a:rPr lang="en-US" altLang="zh-CN" sz="1000" b="1"/>
+                  <a:t>0201@yto.net.cn</a:t>
+                </a:r>
+              </a:p>
+              <a:p>
+                <a:pPr algn="ctr"/>
+                <a:r>
+                  <a:rPr lang="en-US" sz="1000" b="1"/>
+                  <a:t>- H5 -</a:t>
+                </a:r>
+              </a:p>
+            </p:txBody>
+          </p:sp>
+          <p:pic>
+            <p:nvPicPr>
+              <p:cNvPr id="99" name="image.png"/>
+              <p:cNvPicPr/>
+              <p:nvPr/>
+            </p:nvPicPr>
+            <p:blipFill>
+              <a:blip r:embed="rId3">
+                <a:extLst/>
+              </a:blip>
+              <a:stretch>
+                <a:fillRect/>
+              </a:stretch>
+            </p:blipFill>
+            <p:spPr>
+              <a:xfrm>
+                <a:off x="9068720" y="1444927"/>
+                <a:ext cx="386298" cy="564576"/>
+              </a:xfrm>
+              <a:prstGeom prst="rect">
+                <a:avLst/>
+              </a:prstGeom>
+              <a:ln w="12700">
+                <a:miter lim="400000"/>
+              </a:ln>
+            </p:spPr>
+          </p:pic>
+          <p:sp>
+            <p:nvSpPr>
+              <p:cNvPr id="101" name="TextBox 100"/>
+              <p:cNvSpPr txBox="1"/>
+              <p:nvPr/>
+            </p:nvSpPr>
+            <p:spPr>
+              <a:xfrm>
+                <a:off x="7717510" y="1557972"/>
+                <a:ext cx="1040670" cy="246221"/>
+              </a:xfrm>
+              <a:prstGeom prst="rect">
+                <a:avLst/>
+              </a:prstGeom>
+              <a:noFill/>
+              <a:ln>
+                <a:noFill/>
+              </a:ln>
+            </p:spPr>
+            <p:txBody>
+              <a:bodyPr wrap="none" rtlCol="0">
+                <a:spAutoFit/>
+              </a:bodyPr>
+              <a:lstStyle/>
+              <a:p>
+                <a:r>
+                  <a:rPr lang="zh-CN" altLang="en-US" sz="1000" b="1"/>
+                  <a:t>发送消息</a:t>
+                </a:r>
+                <a:r>
+                  <a:rPr lang="en-US" altLang="zh-CN" sz="1000" b="1"/>
+                  <a:t>(0201)</a:t>
+                </a:r>
+                <a:endParaRPr lang="en-US" sz="1000" b="1"/>
+              </a:p>
+            </p:txBody>
+          </p:sp>
+          <p:cxnSp>
+            <p:nvCxnSpPr>
+              <p:cNvPr id="102" name="Straight Arrow Connector 101"/>
+              <p:cNvCxnSpPr/>
+              <p:nvPr/>
+            </p:nvCxnSpPr>
+            <p:spPr>
+              <a:xfrm>
+                <a:off x="7490761" y="1777048"/>
+                <a:ext cx="1478630" cy="0"/>
+              </a:xfrm>
+              <a:prstGeom prst="straightConnector1">
+                <a:avLst/>
+              </a:prstGeom>
+              <a:ln>
+                <a:tailEnd type="triangle"/>
+              </a:ln>
+            </p:spPr>
+            <p:style>
+              <a:lnRef idx="1">
+                <a:schemeClr val="accent1"/>
+              </a:lnRef>
+              <a:fillRef idx="0">
+                <a:schemeClr val="accent1"/>
+              </a:fillRef>
+              <a:effectRef idx="0">
+                <a:schemeClr val="accent1"/>
+              </a:effectRef>
+              <a:fontRef idx="minor">
+                <a:schemeClr val="tx1"/>
+              </a:fontRef>
+            </p:style>
+          </p:cxnSp>
+          <p:sp>
+            <p:nvSpPr>
+              <p:cNvPr id="106" name="TextBox 105"/>
+              <p:cNvSpPr txBox="1"/>
+              <p:nvPr/>
+            </p:nvSpPr>
+            <p:spPr>
+              <a:xfrm>
+                <a:off x="8818546" y="3566901"/>
+                <a:ext cx="697627" cy="246221"/>
+              </a:xfrm>
+              <a:prstGeom prst="rect">
+                <a:avLst/>
+              </a:prstGeom>
+              <a:noFill/>
+              <a:ln>
+                <a:noFill/>
+              </a:ln>
+            </p:spPr>
+            <p:txBody>
+              <a:bodyPr wrap="none" rtlCol="0">
+                <a:spAutoFit/>
+              </a:bodyPr>
+              <a:lstStyle/>
+              <a:p>
+                <a:r>
+                  <a:rPr lang="zh-CN" altLang="en-US" sz="1000" b="1"/>
+                  <a:t>推送消息</a:t>
+                </a:r>
+                <a:endParaRPr lang="en-US" sz="1000" b="1"/>
+              </a:p>
+            </p:txBody>
+          </p:sp>
+          <p:pic>
+            <p:nvPicPr>
+              <p:cNvPr id="108" name="image.png"/>
+              <p:cNvPicPr/>
+              <p:nvPr/>
+            </p:nvPicPr>
+            <p:blipFill>
+              <a:blip r:embed="rId3">
+                <a:extLst/>
+              </a:blip>
+              <a:stretch>
+                <a:fillRect/>
+              </a:stretch>
+            </p:blipFill>
+            <p:spPr>
+              <a:xfrm>
+                <a:off x="9100499" y="2661491"/>
+                <a:ext cx="386298" cy="564576"/>
+              </a:xfrm>
+              <a:prstGeom prst="rect">
+                <a:avLst/>
+              </a:prstGeom>
+              <a:ln w="12700">
+                <a:miter lim="400000"/>
+              </a:ln>
+            </p:spPr>
+          </p:pic>
+          <p:sp>
+            <p:nvSpPr>
+              <p:cNvPr id="109" name="TextBox 108"/>
+              <p:cNvSpPr txBox="1"/>
+              <p:nvPr/>
+            </p:nvSpPr>
+            <p:spPr>
+              <a:xfrm>
+                <a:off x="9320584" y="3133945"/>
+                <a:ext cx="697627" cy="246221"/>
+              </a:xfrm>
+              <a:prstGeom prst="rect">
+                <a:avLst/>
+              </a:prstGeom>
+              <a:noFill/>
+            </p:spPr>
+            <p:txBody>
+              <a:bodyPr wrap="none" rtlCol="0">
+                <a:spAutoFit/>
+              </a:bodyPr>
+              <a:lstStyle/>
+              <a:p>
+                <a:r>
+                  <a:rPr lang="zh-CN" altLang="en-US" sz="1000" b="1"/>
+                  <a:t>接入服务</a:t>
+                </a:r>
+                <a:endParaRPr lang="en-US" sz="1000" b="1"/>
+              </a:p>
+            </p:txBody>
+          </p:sp>
+          <p:sp>
+            <p:nvSpPr>
+              <p:cNvPr id="113" name="TextBox 112"/>
+              <p:cNvSpPr txBox="1"/>
+              <p:nvPr/>
+            </p:nvSpPr>
+            <p:spPr>
+              <a:xfrm>
+                <a:off x="9431104" y="1606237"/>
+                <a:ext cx="877163" cy="246221"/>
+              </a:xfrm>
+              <a:prstGeom prst="rect">
+                <a:avLst/>
+              </a:prstGeom>
+              <a:noFill/>
+            </p:spPr>
+            <p:txBody>
+              <a:bodyPr wrap="none" rtlCol="0">
+                <a:spAutoFit/>
+              </a:bodyPr>
+              <a:lstStyle/>
+              <a:p>
+                <a:r>
+                  <a:rPr lang="zh-CN" altLang="en-US" sz="1000" b="1"/>
+                  <a:t>推送</a:t>
+                </a:r>
+                <a:r>
+                  <a:rPr lang="en-US" altLang="zh-CN" sz="1000" b="1"/>
+                  <a:t>API</a:t>
+                </a:r>
+                <a:r>
+                  <a:rPr lang="zh-CN" altLang="en-US" sz="1000" b="1"/>
+                  <a:t>服务</a:t>
+                </a:r>
+                <a:endParaRPr lang="en-US" sz="1000" b="1"/>
+              </a:p>
+            </p:txBody>
+          </p:sp>
+          <p:pic>
+            <p:nvPicPr>
+              <p:cNvPr id="114" name="AliceRight.png"/>
+              <p:cNvPicPr/>
+              <p:nvPr/>
+            </p:nvPicPr>
+            <p:blipFill>
+              <a:blip r:embed="rId2">
+                <a:extLst/>
+              </a:blip>
+              <a:stretch>
+                <a:fillRect/>
+              </a:stretch>
+            </p:blipFill>
+            <p:spPr>
+              <a:xfrm>
+                <a:off x="9033490" y="4069908"/>
+                <a:ext cx="323057" cy="425613"/>
+              </a:xfrm>
+              <a:prstGeom prst="rect">
+                <a:avLst/>
+              </a:prstGeom>
+              <a:ln w="12700">
+                <a:miter lim="400000"/>
+              </a:ln>
+            </p:spPr>
+          </p:pic>
+          <p:sp>
+            <p:nvSpPr>
+              <p:cNvPr id="115" name="TextBox 114"/>
+              <p:cNvSpPr txBox="1"/>
+              <p:nvPr/>
+            </p:nvSpPr>
+            <p:spPr>
+              <a:xfrm>
+                <a:off x="8574398" y="4475307"/>
+                <a:ext cx="1104790" cy="400110"/>
+              </a:xfrm>
+              <a:prstGeom prst="rect">
+                <a:avLst/>
+              </a:prstGeom>
+              <a:noFill/>
+            </p:spPr>
+            <p:txBody>
+              <a:bodyPr wrap="none" rtlCol="0">
+                <a:spAutoFit/>
+              </a:bodyPr>
+              <a:lstStyle/>
+              <a:p>
+                <a:r>
+                  <a:rPr lang="en-US" altLang="zh-CN" sz="1000" b="1"/>
+                  <a:t>0101@yto.net.cn</a:t>
+                </a:r>
+              </a:p>
+              <a:p>
+                <a:pPr algn="ctr"/>
+                <a:r>
+                  <a:rPr lang="en-US" sz="1000" b="1"/>
+                  <a:t>- Android -</a:t>
+                </a:r>
+              </a:p>
+            </p:txBody>
+          </p:sp>
+          <p:pic>
+            <p:nvPicPr>
+              <p:cNvPr id="116" name="image.png"/>
+              <p:cNvPicPr/>
+              <p:nvPr/>
+            </p:nvPicPr>
+            <p:blipFill>
+              <a:blip r:embed="rId3">
+                <a:extLst/>
+              </a:blip>
+              <a:stretch>
+                <a:fillRect/>
+              </a:stretch>
+            </p:blipFill>
+            <p:spPr>
+              <a:xfrm>
+                <a:off x="10191384" y="2000219"/>
+                <a:ext cx="386298" cy="564576"/>
+              </a:xfrm>
+              <a:prstGeom prst="rect">
+                <a:avLst/>
+              </a:prstGeom>
+              <a:ln w="12700">
+                <a:miter lim="400000"/>
+              </a:ln>
+            </p:spPr>
+          </p:pic>
+          <p:sp>
+            <p:nvSpPr>
+              <p:cNvPr id="117" name="TextBox 116"/>
+              <p:cNvSpPr txBox="1"/>
+              <p:nvPr/>
+            </p:nvSpPr>
+            <p:spPr>
+              <a:xfrm>
+                <a:off x="10056598" y="2538380"/>
+                <a:ext cx="697627" cy="246221"/>
+              </a:xfrm>
+              <a:prstGeom prst="rect">
+                <a:avLst/>
+              </a:prstGeom>
+              <a:noFill/>
+            </p:spPr>
+            <p:txBody>
+              <a:bodyPr wrap="none" rtlCol="0">
+                <a:spAutoFit/>
+              </a:bodyPr>
+              <a:lstStyle/>
+              <a:p>
+                <a:r>
+                  <a:rPr lang="zh-CN" altLang="en-US" sz="1000" b="1"/>
+                  <a:t>交换服务</a:t>
+                </a:r>
+                <a:endParaRPr lang="en-US" sz="1000" b="1"/>
+              </a:p>
+            </p:txBody>
+          </p:sp>
+          <p:pic>
+            <p:nvPicPr>
+              <p:cNvPr id="118" name="image.png"/>
+              <p:cNvPicPr/>
+              <p:nvPr/>
+            </p:nvPicPr>
+            <p:blipFill>
+              <a:blip r:embed="rId4">
+                <a:extLst/>
+              </a:blip>
+              <a:stretch>
+                <a:fillRect/>
+              </a:stretch>
+            </p:blipFill>
+            <p:spPr>
+              <a:xfrm>
+                <a:off x="8345638" y="1930246"/>
+                <a:ext cx="212411" cy="83444"/>
+              </a:xfrm>
+              <a:prstGeom prst="rect">
+                <a:avLst/>
+              </a:prstGeom>
+              <a:ln w="12700">
+                <a:miter lim="400000"/>
+              </a:ln>
+            </p:spPr>
+          </p:pic>
+          <p:cxnSp>
+            <p:nvCxnSpPr>
+              <p:cNvPr id="119" name="Straight Arrow Connector 118"/>
+              <p:cNvCxnSpPr/>
+              <p:nvPr/>
+            </p:nvCxnSpPr>
+            <p:spPr>
+              <a:xfrm flipV="1">
+                <a:off x="7532077" y="1959292"/>
+                <a:ext cx="1501413" cy="771176"/>
+              </a:xfrm>
+              <a:prstGeom prst="straightConnector1">
+                <a:avLst/>
+              </a:prstGeom>
+              <a:ln>
+                <a:tailEnd type="triangle"/>
+              </a:ln>
+            </p:spPr>
+            <p:style>
+              <a:lnRef idx="1">
+                <a:schemeClr val="accent1"/>
+              </a:lnRef>
+              <a:fillRef idx="0">
+                <a:schemeClr val="accent1"/>
+              </a:fillRef>
+              <a:effectRef idx="0">
+                <a:schemeClr val="accent1"/>
+              </a:effectRef>
+              <a:fontRef idx="minor">
+                <a:schemeClr val="tx1"/>
+              </a:fontRef>
+            </p:style>
+          </p:cxnSp>
+          <p:cxnSp>
+            <p:nvCxnSpPr>
+              <p:cNvPr id="127" name="Straight Connector 126"/>
+              <p:cNvCxnSpPr>
+                <a:stCxn id="116" idx="1"/>
+                <a:endCxn id="108" idx="3"/>
+              </p:cNvCxnSpPr>
+              <p:nvPr/>
+            </p:nvCxnSpPr>
+            <p:spPr>
+              <a:xfrm flipH="1">
+                <a:off x="9486797" y="2282507"/>
+                <a:ext cx="704587" cy="661272"/>
+              </a:xfrm>
+              <a:prstGeom prst="line">
+                <a:avLst/>
+              </a:prstGeom>
+              <a:ln>
+                <a:tailEnd type="triangle"/>
+              </a:ln>
+            </p:spPr>
+            <p:style>
+              <a:lnRef idx="1">
+                <a:schemeClr val="accent1"/>
+              </a:lnRef>
+              <a:fillRef idx="0">
+                <a:schemeClr val="accent1"/>
+              </a:fillRef>
+              <a:effectRef idx="0">
+                <a:schemeClr val="accent1"/>
+              </a:effectRef>
+              <a:fontRef idx="minor">
+                <a:schemeClr val="tx1"/>
+              </a:fontRef>
+            </p:style>
+          </p:cxnSp>
+          <p:cxnSp>
+            <p:nvCxnSpPr>
+              <p:cNvPr id="130" name="Straight Connector 129"/>
+              <p:cNvCxnSpPr>
+                <a:stCxn id="99" idx="3"/>
+                <a:endCxn id="116" idx="1"/>
+              </p:cNvCxnSpPr>
+              <p:nvPr/>
+            </p:nvCxnSpPr>
+            <p:spPr>
+              <a:xfrm>
+                <a:off x="9455018" y="1727215"/>
+                <a:ext cx="736366" cy="555292"/>
+              </a:xfrm>
+              <a:prstGeom prst="line">
+                <a:avLst/>
+              </a:prstGeom>
+              <a:ln>
+                <a:headEnd type="none"/>
+                <a:tailEnd type="triangle"/>
+              </a:ln>
+            </p:spPr>
+            <p:style>
+              <a:lnRef idx="1">
+                <a:schemeClr val="accent1"/>
+              </a:lnRef>
+              <a:fillRef idx="0">
+                <a:schemeClr val="accent1"/>
+              </a:fillRef>
+              <a:effectRef idx="0">
+                <a:schemeClr val="accent1"/>
+              </a:effectRef>
+              <a:fontRef idx="minor">
+                <a:schemeClr val="tx1"/>
+              </a:fontRef>
+            </p:style>
+          </p:cxnSp>
+          <p:cxnSp>
+            <p:nvCxnSpPr>
+              <p:cNvPr id="136" name="Straight Arrow Connector 135"/>
+              <p:cNvCxnSpPr/>
+              <p:nvPr/>
+            </p:nvCxnSpPr>
+            <p:spPr>
+              <a:xfrm flipH="1">
+                <a:off x="9165043" y="3231286"/>
+                <a:ext cx="1" cy="778544"/>
+              </a:xfrm>
+              <a:prstGeom prst="straightConnector1">
+                <a:avLst/>
+              </a:prstGeom>
+              <a:ln>
+                <a:tailEnd type="triangle"/>
+              </a:ln>
+            </p:spPr>
+            <p:style>
+              <a:lnRef idx="1">
+                <a:schemeClr val="accent1"/>
+              </a:lnRef>
+              <a:fillRef idx="0">
+                <a:schemeClr val="accent1"/>
+              </a:fillRef>
+              <a:effectRef idx="0">
+                <a:schemeClr val="accent1"/>
+              </a:effectRef>
+              <a:fontRef idx="minor">
+                <a:schemeClr val="tx1"/>
+              </a:fontRef>
+            </p:style>
+          </p:cxnSp>
+          <p:pic>
+            <p:nvPicPr>
+              <p:cNvPr id="144" name="image.png"/>
+              <p:cNvPicPr/>
+              <p:nvPr/>
+            </p:nvPicPr>
+            <p:blipFill>
+              <a:blip r:embed="rId3">
+                <a:extLst/>
+              </a:blip>
+              <a:stretch>
+                <a:fillRect/>
+              </a:stretch>
+            </p:blipFill>
+            <p:spPr>
+              <a:xfrm>
+                <a:off x="8776242" y="2630787"/>
+                <a:ext cx="386298" cy="564576"/>
+              </a:xfrm>
+              <a:prstGeom prst="rect">
+                <a:avLst/>
+              </a:prstGeom>
+              <a:ln w="12700">
+                <a:miter lim="400000"/>
+              </a:ln>
+            </p:spPr>
+          </p:pic>
+          <p:cxnSp>
+            <p:nvCxnSpPr>
+              <p:cNvPr id="145" name="Straight Arrow Connector 144"/>
+              <p:cNvCxnSpPr>
+                <a:stCxn id="144" idx="1"/>
+              </p:cNvCxnSpPr>
+              <p:nvPr/>
+            </p:nvCxnSpPr>
+            <p:spPr>
+              <a:xfrm flipH="1" flipV="1">
+                <a:off x="7558608" y="2912711"/>
+                <a:ext cx="1217634" cy="364"/>
+              </a:xfrm>
+              <a:prstGeom prst="straightConnector1">
+                <a:avLst/>
+              </a:prstGeom>
+              <a:ln>
+                <a:tailEnd type="triangle"/>
+              </a:ln>
+            </p:spPr>
+            <p:style>
+              <a:lnRef idx="1">
+                <a:schemeClr val="accent1"/>
+              </a:lnRef>
+              <a:fillRef idx="0">
+                <a:schemeClr val="accent1"/>
+              </a:fillRef>
+              <a:effectRef idx="0">
+                <a:schemeClr val="accent1"/>
+              </a:effectRef>
+              <a:fontRef idx="minor">
+                <a:schemeClr val="tx1"/>
+              </a:fontRef>
+            </p:style>
+          </p:cxnSp>
+          <p:sp>
+            <p:nvSpPr>
+              <p:cNvPr id="148" name="TextBox 147"/>
+              <p:cNvSpPr txBox="1"/>
+              <p:nvPr/>
+            </p:nvSpPr>
+            <p:spPr>
+              <a:xfrm>
+                <a:off x="7730168" y="2203571"/>
+                <a:ext cx="1040670" cy="246221"/>
+              </a:xfrm>
+              <a:prstGeom prst="rect">
+                <a:avLst/>
+              </a:prstGeom>
+              <a:noFill/>
+              <a:ln>
+                <a:noFill/>
+              </a:ln>
+            </p:spPr>
+            <p:txBody>
+              <a:bodyPr wrap="none" rtlCol="0">
+                <a:spAutoFit/>
+              </a:bodyPr>
+              <a:lstStyle/>
+              <a:p>
+                <a:r>
+                  <a:rPr lang="zh-CN" altLang="en-US" sz="1000" b="1"/>
+                  <a:t>发送消息</a:t>
+                </a:r>
+                <a:r>
+                  <a:rPr lang="en-US" altLang="zh-CN" sz="1000" b="1"/>
+                  <a:t>(0101)</a:t>
+                </a:r>
+                <a:endParaRPr lang="en-US" sz="1000" b="1"/>
+              </a:p>
+            </p:txBody>
+          </p:sp>
+          <p:sp>
+            <p:nvSpPr>
+              <p:cNvPr id="149" name="TextBox 148"/>
+              <p:cNvSpPr txBox="1"/>
+              <p:nvPr/>
+            </p:nvSpPr>
+            <p:spPr>
+              <a:xfrm>
+                <a:off x="7967660" y="2697558"/>
+                <a:ext cx="697627" cy="246221"/>
+              </a:xfrm>
+              <a:prstGeom prst="rect">
+                <a:avLst/>
+              </a:prstGeom>
+              <a:noFill/>
+              <a:ln>
+                <a:noFill/>
+              </a:ln>
+            </p:spPr>
+            <p:txBody>
+              <a:bodyPr wrap="none" rtlCol="0">
+                <a:spAutoFit/>
+              </a:bodyPr>
+              <a:lstStyle/>
+              <a:p>
+                <a:r>
+                  <a:rPr lang="zh-CN" altLang="en-US" sz="1000" b="1"/>
+                  <a:t>推送消息</a:t>
+                </a:r>
+                <a:endParaRPr lang="en-US" sz="1000" b="1"/>
+              </a:p>
+            </p:txBody>
+          </p:sp>
+        </p:grpSp>
+        <p:sp>
+          <p:nvSpPr>
+            <p:cNvPr id="57" name="TextBox 56"/>
+            <p:cNvSpPr txBox="1"/>
+            <p:nvPr/>
+          </p:nvSpPr>
+          <p:spPr>
+            <a:xfrm>
+              <a:off x="10445736" y="918923"/>
+              <a:ext cx="1001510" cy="276999"/>
+            </a:xfrm>
+            <a:prstGeom prst="rect">
+              <a:avLst/>
+            </a:prstGeom>
+            <a:noFill/>
+          </p:spPr>
+          <p:txBody>
+            <a:bodyPr wrap="square" rtlCol="0">
+              <a:spAutoFit/>
+            </a:bodyPr>
+            <a:lstStyle/>
+            <a:p>
+              <a:pPr algn="ctr"/>
+              <a:r>
+                <a:rPr lang="en-US" altLang="zh-CN" sz="1200" b="1" u="sng">
+                  <a:latin typeface="+mn-ea"/>
+                  <a:cs typeface="Al Bayan Plain" charset="-78"/>
+                </a:rPr>
+                <a:t>koala</a:t>
+              </a:r>
+              <a:endParaRPr lang="zh-CN" altLang="en-US" sz="1200" b="1" u="sng">
+                <a:latin typeface="+mn-ea"/>
+                <a:cs typeface="Al Bayan Plain" charset="-78"/>
+              </a:endParaRPr>
+            </a:p>
+          </p:txBody>
+        </p:sp>
+      </p:grpSp>
+    </p:spTree>
+    <p:extLst>
+      <p:ext uri="{BB962C8B-B14F-4D97-AF65-F5344CB8AC3E}">
+        <p14:creationId xmlns:p14="http://schemas.microsoft.com/office/powerpoint/2010/main" val="193732160"/>
+      </p:ext>
+    </p:extLst>
+  </p:cSld>
+  <p:clrMapOvr>
+    <a:masterClrMapping/>
+  </p:clrMapOvr>
+  <p:timing>
+    <p:tnLst>
+      <p:par>
+        <p:cTn id="1" dur="indefinite" restart="never" nodeType="tmRoot"/>
+      </p:par>
+    </p:tnLst>
   </p:timing>
 </p:sld>
 </file>
